--- a/Project 1 US Maps Comparisons.pptx
+++ b/Project 1 US Maps Comparisons.pptx
@@ -8,35 +8,35 @@
     <p:notesMasterId r:id="rId31"/>
   </p:notesMasterIdLst>
   <p:sldIdLst>
-    <p:sldId id="256" r:id="rId2"/>
-    <p:sldId id="262" r:id="rId3"/>
-    <p:sldId id="260" r:id="rId4"/>
-    <p:sldId id="257" r:id="rId5"/>
-    <p:sldId id="258" r:id="rId6"/>
-    <p:sldId id="259" r:id="rId7"/>
-    <p:sldId id="261" r:id="rId8"/>
-    <p:sldId id="263" r:id="rId9"/>
-    <p:sldId id="264" r:id="rId10"/>
-    <p:sldId id="265" r:id="rId11"/>
-    <p:sldId id="266" r:id="rId12"/>
-    <p:sldId id="267" r:id="rId13"/>
-    <p:sldId id="268" r:id="rId14"/>
-    <p:sldId id="269" r:id="rId15"/>
-    <p:sldId id="270" r:id="rId16"/>
-    <p:sldId id="271" r:id="rId17"/>
-    <p:sldId id="272" r:id="rId18"/>
-    <p:sldId id="273" r:id="rId19"/>
-    <p:sldId id="274" r:id="rId20"/>
-    <p:sldId id="275" r:id="rId21"/>
-    <p:sldId id="276" r:id="rId22"/>
-    <p:sldId id="277" r:id="rId23"/>
-    <p:sldId id="278" r:id="rId24"/>
-    <p:sldId id="279" r:id="rId25"/>
-    <p:sldId id="280" r:id="rId26"/>
-    <p:sldId id="281" r:id="rId27"/>
-    <p:sldId id="282" r:id="rId28"/>
-    <p:sldId id="283" r:id="rId29"/>
-    <p:sldId id="284" r:id="rId30"/>
+    <p:sldId id="284" r:id="rId2"/>
+    <p:sldId id="256" r:id="rId3"/>
+    <p:sldId id="262" r:id="rId4"/>
+    <p:sldId id="260" r:id="rId5"/>
+    <p:sldId id="257" r:id="rId6"/>
+    <p:sldId id="258" r:id="rId7"/>
+    <p:sldId id="259" r:id="rId8"/>
+    <p:sldId id="261" r:id="rId9"/>
+    <p:sldId id="263" r:id="rId10"/>
+    <p:sldId id="264" r:id="rId11"/>
+    <p:sldId id="265" r:id="rId12"/>
+    <p:sldId id="266" r:id="rId13"/>
+    <p:sldId id="267" r:id="rId14"/>
+    <p:sldId id="268" r:id="rId15"/>
+    <p:sldId id="269" r:id="rId16"/>
+    <p:sldId id="270" r:id="rId17"/>
+    <p:sldId id="271" r:id="rId18"/>
+    <p:sldId id="272" r:id="rId19"/>
+    <p:sldId id="273" r:id="rId20"/>
+    <p:sldId id="274" r:id="rId21"/>
+    <p:sldId id="275" r:id="rId22"/>
+    <p:sldId id="276" r:id="rId23"/>
+    <p:sldId id="277" r:id="rId24"/>
+    <p:sldId id="278" r:id="rId25"/>
+    <p:sldId id="279" r:id="rId26"/>
+    <p:sldId id="280" r:id="rId27"/>
+    <p:sldId id="281" r:id="rId28"/>
+    <p:sldId id="282" r:id="rId29"/>
+    <p:sldId id="283" r:id="rId30"/>
   </p:sldIdLst>
   <p:sldSz cx="12192000" cy="6858000"/>
   <p:notesSz cx="6858000" cy="9144000"/>
@@ -566,7 +566,7 @@
     </p:spTree>
     <p:extLst>
       <p:ext uri="{BB962C8B-B14F-4D97-AF65-F5344CB8AC3E}">
-        <p14:creationId xmlns:p14="http://schemas.microsoft.com/office/powerpoint/2010/main" val="1757905736"/>
+        <p14:creationId xmlns:p14="http://schemas.microsoft.com/office/powerpoint/2010/main" val="1702482069"/>
       </p:ext>
     </p:extLst>
   </p:cSld>
@@ -650,7 +650,7 @@
     </p:spTree>
     <p:extLst>
       <p:ext uri="{BB962C8B-B14F-4D97-AF65-F5344CB8AC3E}">
-        <p14:creationId xmlns:p14="http://schemas.microsoft.com/office/powerpoint/2010/main" val="697061036"/>
+        <p14:creationId xmlns:p14="http://schemas.microsoft.com/office/powerpoint/2010/main" val="453205324"/>
       </p:ext>
     </p:extLst>
   </p:cSld>
@@ -734,7 +734,7 @@
     </p:spTree>
     <p:extLst>
       <p:ext uri="{BB962C8B-B14F-4D97-AF65-F5344CB8AC3E}">
-        <p14:creationId xmlns:p14="http://schemas.microsoft.com/office/powerpoint/2010/main" val="40062440"/>
+        <p14:creationId xmlns:p14="http://schemas.microsoft.com/office/powerpoint/2010/main" val="697061036"/>
       </p:ext>
     </p:extLst>
   </p:cSld>
@@ -818,7 +818,7 @@
     </p:spTree>
     <p:extLst>
       <p:ext uri="{BB962C8B-B14F-4D97-AF65-F5344CB8AC3E}">
-        <p14:creationId xmlns:p14="http://schemas.microsoft.com/office/powerpoint/2010/main" val="362970045"/>
+        <p14:creationId xmlns:p14="http://schemas.microsoft.com/office/powerpoint/2010/main" val="40062440"/>
       </p:ext>
     </p:extLst>
   </p:cSld>
@@ -902,7 +902,7 @@
     </p:spTree>
     <p:extLst>
       <p:ext uri="{BB962C8B-B14F-4D97-AF65-F5344CB8AC3E}">
-        <p14:creationId xmlns:p14="http://schemas.microsoft.com/office/powerpoint/2010/main" val="1113599040"/>
+        <p14:creationId xmlns:p14="http://schemas.microsoft.com/office/powerpoint/2010/main" val="362970045"/>
       </p:ext>
     </p:extLst>
   </p:cSld>
@@ -986,7 +986,7 @@
     </p:spTree>
     <p:extLst>
       <p:ext uri="{BB962C8B-B14F-4D97-AF65-F5344CB8AC3E}">
-        <p14:creationId xmlns:p14="http://schemas.microsoft.com/office/powerpoint/2010/main" val="3110041672"/>
+        <p14:creationId xmlns:p14="http://schemas.microsoft.com/office/powerpoint/2010/main" val="1113599040"/>
       </p:ext>
     </p:extLst>
   </p:cSld>
@@ -1070,7 +1070,7 @@
     </p:spTree>
     <p:extLst>
       <p:ext uri="{BB962C8B-B14F-4D97-AF65-F5344CB8AC3E}">
-        <p14:creationId xmlns:p14="http://schemas.microsoft.com/office/powerpoint/2010/main" val="2033798264"/>
+        <p14:creationId xmlns:p14="http://schemas.microsoft.com/office/powerpoint/2010/main" val="3110041672"/>
       </p:ext>
     </p:extLst>
   </p:cSld>
@@ -1154,7 +1154,7 @@
     </p:spTree>
     <p:extLst>
       <p:ext uri="{BB962C8B-B14F-4D97-AF65-F5344CB8AC3E}">
-        <p14:creationId xmlns:p14="http://schemas.microsoft.com/office/powerpoint/2010/main" val="392678702"/>
+        <p14:creationId xmlns:p14="http://schemas.microsoft.com/office/powerpoint/2010/main" val="2033798264"/>
       </p:ext>
     </p:extLst>
   </p:cSld>
@@ -1238,7 +1238,7 @@
     </p:spTree>
     <p:extLst>
       <p:ext uri="{BB962C8B-B14F-4D97-AF65-F5344CB8AC3E}">
-        <p14:creationId xmlns:p14="http://schemas.microsoft.com/office/powerpoint/2010/main" val="2498810427"/>
+        <p14:creationId xmlns:p14="http://schemas.microsoft.com/office/powerpoint/2010/main" val="392678702"/>
       </p:ext>
     </p:extLst>
   </p:cSld>
@@ -1322,7 +1322,7 @@
     </p:spTree>
     <p:extLst>
       <p:ext uri="{BB962C8B-B14F-4D97-AF65-F5344CB8AC3E}">
-        <p14:creationId xmlns:p14="http://schemas.microsoft.com/office/powerpoint/2010/main" val="2705635216"/>
+        <p14:creationId xmlns:p14="http://schemas.microsoft.com/office/powerpoint/2010/main" val="2498810427"/>
       </p:ext>
     </p:extLst>
   </p:cSld>
@@ -1406,7 +1406,7 @@
     </p:spTree>
     <p:extLst>
       <p:ext uri="{BB962C8B-B14F-4D97-AF65-F5344CB8AC3E}">
-        <p14:creationId xmlns:p14="http://schemas.microsoft.com/office/powerpoint/2010/main" val="189537327"/>
+        <p14:creationId xmlns:p14="http://schemas.microsoft.com/office/powerpoint/2010/main" val="2705635216"/>
       </p:ext>
     </p:extLst>
   </p:cSld>
@@ -1490,7 +1490,7 @@
     </p:spTree>
     <p:extLst>
       <p:ext uri="{BB962C8B-B14F-4D97-AF65-F5344CB8AC3E}">
-        <p14:creationId xmlns:p14="http://schemas.microsoft.com/office/powerpoint/2010/main" val="4023114587"/>
+        <p14:creationId xmlns:p14="http://schemas.microsoft.com/office/powerpoint/2010/main" val="1757905736"/>
       </p:ext>
     </p:extLst>
   </p:cSld>
@@ -1574,7 +1574,7 @@
     </p:spTree>
     <p:extLst>
       <p:ext uri="{BB962C8B-B14F-4D97-AF65-F5344CB8AC3E}">
-        <p14:creationId xmlns:p14="http://schemas.microsoft.com/office/powerpoint/2010/main" val="234638980"/>
+        <p14:creationId xmlns:p14="http://schemas.microsoft.com/office/powerpoint/2010/main" val="189537327"/>
       </p:ext>
     </p:extLst>
   </p:cSld>
@@ -1658,7 +1658,7 @@
     </p:spTree>
     <p:extLst>
       <p:ext uri="{BB962C8B-B14F-4D97-AF65-F5344CB8AC3E}">
-        <p14:creationId xmlns:p14="http://schemas.microsoft.com/office/powerpoint/2010/main" val="4016039794"/>
+        <p14:creationId xmlns:p14="http://schemas.microsoft.com/office/powerpoint/2010/main" val="234638980"/>
       </p:ext>
     </p:extLst>
   </p:cSld>
@@ -1742,7 +1742,7 @@
     </p:spTree>
     <p:extLst>
       <p:ext uri="{BB962C8B-B14F-4D97-AF65-F5344CB8AC3E}">
-        <p14:creationId xmlns:p14="http://schemas.microsoft.com/office/powerpoint/2010/main" val="913821940"/>
+        <p14:creationId xmlns:p14="http://schemas.microsoft.com/office/powerpoint/2010/main" val="4016039794"/>
       </p:ext>
     </p:extLst>
   </p:cSld>
@@ -1826,7 +1826,7 @@
     </p:spTree>
     <p:extLst>
       <p:ext uri="{BB962C8B-B14F-4D97-AF65-F5344CB8AC3E}">
-        <p14:creationId xmlns:p14="http://schemas.microsoft.com/office/powerpoint/2010/main" val="4187549485"/>
+        <p14:creationId xmlns:p14="http://schemas.microsoft.com/office/powerpoint/2010/main" val="913821940"/>
       </p:ext>
     </p:extLst>
   </p:cSld>
@@ -1910,7 +1910,7 @@
     </p:spTree>
     <p:extLst>
       <p:ext uri="{BB962C8B-B14F-4D97-AF65-F5344CB8AC3E}">
-        <p14:creationId xmlns:p14="http://schemas.microsoft.com/office/powerpoint/2010/main" val="3612017528"/>
+        <p14:creationId xmlns:p14="http://schemas.microsoft.com/office/powerpoint/2010/main" val="4187549485"/>
       </p:ext>
     </p:extLst>
   </p:cSld>
@@ -1994,7 +1994,7 @@
     </p:spTree>
     <p:extLst>
       <p:ext uri="{BB962C8B-B14F-4D97-AF65-F5344CB8AC3E}">
-        <p14:creationId xmlns:p14="http://schemas.microsoft.com/office/powerpoint/2010/main" val="2532257991"/>
+        <p14:creationId xmlns:p14="http://schemas.microsoft.com/office/powerpoint/2010/main" val="3612017528"/>
       </p:ext>
     </p:extLst>
   </p:cSld>
@@ -2078,7 +2078,7 @@
     </p:spTree>
     <p:extLst>
       <p:ext uri="{BB962C8B-B14F-4D97-AF65-F5344CB8AC3E}">
-        <p14:creationId xmlns:p14="http://schemas.microsoft.com/office/powerpoint/2010/main" val="2263296563"/>
+        <p14:creationId xmlns:p14="http://schemas.microsoft.com/office/powerpoint/2010/main" val="2532257991"/>
       </p:ext>
     </p:extLst>
   </p:cSld>
@@ -2162,7 +2162,7 @@
     </p:spTree>
     <p:extLst>
       <p:ext uri="{BB962C8B-B14F-4D97-AF65-F5344CB8AC3E}">
-        <p14:creationId xmlns:p14="http://schemas.microsoft.com/office/powerpoint/2010/main" val="3122852252"/>
+        <p14:creationId xmlns:p14="http://schemas.microsoft.com/office/powerpoint/2010/main" val="2263296563"/>
       </p:ext>
     </p:extLst>
   </p:cSld>
@@ -2246,7 +2246,7 @@
     </p:spTree>
     <p:extLst>
       <p:ext uri="{BB962C8B-B14F-4D97-AF65-F5344CB8AC3E}">
-        <p14:creationId xmlns:p14="http://schemas.microsoft.com/office/powerpoint/2010/main" val="4274328730"/>
+        <p14:creationId xmlns:p14="http://schemas.microsoft.com/office/powerpoint/2010/main" val="3122852252"/>
       </p:ext>
     </p:extLst>
   </p:cSld>
@@ -2300,7 +2300,7 @@
           <a:bodyPr/>
           <a:lstStyle/>
           <a:p>
-            <a:endParaRPr lang="en-US"/>
+            <a:endParaRPr lang="en-US" dirty="0"/>
           </a:p>
         </p:txBody>
       </p:sp>
@@ -2330,7 +2330,7 @@
     </p:spTree>
     <p:extLst>
       <p:ext uri="{BB962C8B-B14F-4D97-AF65-F5344CB8AC3E}">
-        <p14:creationId xmlns:p14="http://schemas.microsoft.com/office/powerpoint/2010/main" val="2158151850"/>
+        <p14:creationId xmlns:p14="http://schemas.microsoft.com/office/powerpoint/2010/main" val="4274328730"/>
       </p:ext>
     </p:extLst>
   </p:cSld>
@@ -2414,7 +2414,7 @@
     </p:spTree>
     <p:extLst>
       <p:ext uri="{BB962C8B-B14F-4D97-AF65-F5344CB8AC3E}">
-        <p14:creationId xmlns:p14="http://schemas.microsoft.com/office/powerpoint/2010/main" val="203980802"/>
+        <p14:creationId xmlns:p14="http://schemas.microsoft.com/office/powerpoint/2010/main" val="4023114587"/>
       </p:ext>
     </p:extLst>
   </p:cSld>
@@ -2498,7 +2498,7 @@
     </p:spTree>
     <p:extLst>
       <p:ext uri="{BB962C8B-B14F-4D97-AF65-F5344CB8AC3E}">
-        <p14:creationId xmlns:p14="http://schemas.microsoft.com/office/powerpoint/2010/main" val="2783463372"/>
+        <p14:creationId xmlns:p14="http://schemas.microsoft.com/office/powerpoint/2010/main" val="203980802"/>
       </p:ext>
     </p:extLst>
   </p:cSld>
@@ -2582,7 +2582,7 @@
     </p:spTree>
     <p:extLst>
       <p:ext uri="{BB962C8B-B14F-4D97-AF65-F5344CB8AC3E}">
-        <p14:creationId xmlns:p14="http://schemas.microsoft.com/office/powerpoint/2010/main" val="3901509827"/>
+        <p14:creationId xmlns:p14="http://schemas.microsoft.com/office/powerpoint/2010/main" val="2783463372"/>
       </p:ext>
     </p:extLst>
   </p:cSld>
@@ -2666,7 +2666,7 @@
     </p:spTree>
     <p:extLst>
       <p:ext uri="{BB962C8B-B14F-4D97-AF65-F5344CB8AC3E}">
-        <p14:creationId xmlns:p14="http://schemas.microsoft.com/office/powerpoint/2010/main" val="2824710267"/>
+        <p14:creationId xmlns:p14="http://schemas.microsoft.com/office/powerpoint/2010/main" val="3901509827"/>
       </p:ext>
     </p:extLst>
   </p:cSld>
@@ -2750,7 +2750,7 @@
     </p:spTree>
     <p:extLst>
       <p:ext uri="{BB962C8B-B14F-4D97-AF65-F5344CB8AC3E}">
-        <p14:creationId xmlns:p14="http://schemas.microsoft.com/office/powerpoint/2010/main" val="1232256995"/>
+        <p14:creationId xmlns:p14="http://schemas.microsoft.com/office/powerpoint/2010/main" val="2824710267"/>
       </p:ext>
     </p:extLst>
   </p:cSld>
@@ -2834,7 +2834,7 @@
     </p:spTree>
     <p:extLst>
       <p:ext uri="{BB962C8B-B14F-4D97-AF65-F5344CB8AC3E}">
-        <p14:creationId xmlns:p14="http://schemas.microsoft.com/office/powerpoint/2010/main" val="131781872"/>
+        <p14:creationId xmlns:p14="http://schemas.microsoft.com/office/powerpoint/2010/main" val="1232256995"/>
       </p:ext>
     </p:extLst>
   </p:cSld>
@@ -2918,7 +2918,7 @@
     </p:spTree>
     <p:extLst>
       <p:ext uri="{BB962C8B-B14F-4D97-AF65-F5344CB8AC3E}">
-        <p14:creationId xmlns:p14="http://schemas.microsoft.com/office/powerpoint/2010/main" val="453205324"/>
+        <p14:creationId xmlns:p14="http://schemas.microsoft.com/office/powerpoint/2010/main" val="131781872"/>
       </p:ext>
     </p:extLst>
   </p:cSld>
@@ -6142,13 +6142,45 @@
           <a:chExt cx="0" cy="0"/>
         </a:xfrm>
       </p:grpSpPr>
+      <p:sp>
+        <p:nvSpPr>
+          <p:cNvPr id="2" name="Title 1">
+            <a:extLst>
+              <a:ext uri="{FF2B5EF4-FFF2-40B4-BE49-F238E27FC236}">
+                <a16:creationId xmlns:a16="http://schemas.microsoft.com/office/drawing/2014/main" id="{79ECC85A-7E30-F84B-A654-D7720551A235}"/>
+              </a:ext>
+            </a:extLst>
+          </p:cNvPr>
+          <p:cNvSpPr>
+            <a:spLocks noGrp="1"/>
+          </p:cNvSpPr>
+          <p:nvPr>
+            <p:ph type="title"/>
+          </p:nvPr>
+        </p:nvSpPr>
+        <p:spPr/>
+        <p:txBody>
+          <a:bodyPr>
+            <a:normAutofit/>
+          </a:bodyPr>
+          <a:lstStyle/>
+          <a:p>
+            <a:r>
+              <a:rPr lang="en-US" sz="3600" dirty="0">
+                <a:hlinkClick r:id="rId3"/>
+              </a:rPr>
+              <a:t>View Jupyter Notebook on Jupyter nbviewer</a:t>
+            </a:r>
+            <a:endParaRPr lang="en-US" sz="3600" dirty="0"/>
+          </a:p>
+        </p:txBody>
+      </p:sp>
       <p:pic>
         <p:nvPicPr>
-          <p:cNvPr id="13" name="Content Placeholder 8">
-            <a:hlinkClick r:id="rId3"/>
-            <a:extLst>
-              <a:ext uri="{FF2B5EF4-FFF2-40B4-BE49-F238E27FC236}">
-                <a16:creationId xmlns:a16="http://schemas.microsoft.com/office/drawing/2014/main" id="{9A51A4C4-D142-C04D-B376-E886D7DB4613}"/>
+          <p:cNvPr id="8" name="Picture 7">
+            <a:extLst>
+              <a:ext uri="{FF2B5EF4-FFF2-40B4-BE49-F238E27FC236}">
+                <a16:creationId xmlns:a16="http://schemas.microsoft.com/office/drawing/2014/main" id="{9EBBFC81-5FC9-C34A-B53A-A64F5516EB8B}"/>
               </a:ext>
             </a:extLst>
           </p:cNvPr>
@@ -6157,157 +6189,26 @@
           </p:cNvPicPr>
           <p:nvPr/>
         </p:nvPicPr>
-        <p:blipFill rotWithShape="1">
+        <p:blipFill>
           <a:blip r:embed="rId4"/>
-          <a:srcRect t="5438" b="13707"/>
-          <a:stretch/>
+          <a:stretch>
+            <a:fillRect/>
+          </a:stretch>
         </p:blipFill>
         <p:spPr>
           <a:xfrm>
-            <a:off x="270453" y="91440"/>
-            <a:ext cx="5486400" cy="3168583"/>
+            <a:off x="2370138" y="2191270"/>
+            <a:ext cx="7454900" cy="4711700"/>
           </a:xfrm>
           <a:prstGeom prst="rect">
             <a:avLst/>
           </a:prstGeom>
         </p:spPr>
       </p:pic>
-      <p:pic>
-        <p:nvPicPr>
-          <p:cNvPr id="14" name="Content Placeholder 10">
-            <a:hlinkClick r:id="rId5"/>
-            <a:extLst>
-              <a:ext uri="{FF2B5EF4-FFF2-40B4-BE49-F238E27FC236}">
-                <a16:creationId xmlns:a16="http://schemas.microsoft.com/office/drawing/2014/main" id="{A9F00936-0AFD-F54A-A458-A51FD6A38039}"/>
-              </a:ext>
-            </a:extLst>
-          </p:cNvPr>
-          <p:cNvPicPr>
-            <a:picLocks noChangeAspect="1"/>
-          </p:cNvPicPr>
-          <p:nvPr/>
-        </p:nvPicPr>
-        <p:blipFill rotWithShape="1">
-          <a:blip r:embed="rId6"/>
-          <a:srcRect t="5429" b="13715"/>
-          <a:stretch/>
-        </p:blipFill>
-        <p:spPr>
-          <a:xfrm>
-            <a:off x="6238307" y="91440"/>
-            <a:ext cx="5486400" cy="3168583"/>
-          </a:xfrm>
-          <a:prstGeom prst="rect">
-            <a:avLst/>
-          </a:prstGeom>
-        </p:spPr>
-      </p:pic>
-      <p:pic>
-        <p:nvPicPr>
-          <p:cNvPr id="18" name="Content Placeholder 8">
-            <a:hlinkClick r:id="rId7"/>
-            <a:extLst>
-              <a:ext uri="{FF2B5EF4-FFF2-40B4-BE49-F238E27FC236}">
-                <a16:creationId xmlns:a16="http://schemas.microsoft.com/office/drawing/2014/main" id="{3875F3C3-8E28-0341-A65B-D5D91E6E365E}"/>
-              </a:ext>
-            </a:extLst>
-          </p:cNvPr>
-          <p:cNvPicPr>
-            <a:picLocks noChangeAspect="1"/>
-          </p:cNvPicPr>
-          <p:nvPr/>
-        </p:nvPicPr>
-        <p:blipFill rotWithShape="1">
-          <a:blip r:embed="rId8"/>
-          <a:srcRect t="5417" b="13900"/>
-          <a:stretch/>
-        </p:blipFill>
-        <p:spPr>
-          <a:xfrm>
-            <a:off x="270453" y="3431201"/>
-            <a:ext cx="5486400" cy="3161882"/>
-          </a:xfrm>
-          <a:prstGeom prst="rect">
-            <a:avLst/>
-          </a:prstGeom>
-        </p:spPr>
-      </p:pic>
-      <p:pic>
-        <p:nvPicPr>
-          <p:cNvPr id="21" name="Content Placeholder 10">
-            <a:hlinkClick r:id="rId9"/>
-            <a:extLst>
-              <a:ext uri="{FF2B5EF4-FFF2-40B4-BE49-F238E27FC236}">
-                <a16:creationId xmlns:a16="http://schemas.microsoft.com/office/drawing/2014/main" id="{100E5941-1280-C94C-BC7C-03975881590A}"/>
-              </a:ext>
-            </a:extLst>
-          </p:cNvPr>
-          <p:cNvPicPr>
-            <a:picLocks noChangeAspect="1"/>
-          </p:cNvPicPr>
-          <p:nvPr/>
-        </p:nvPicPr>
-        <p:blipFill rotWithShape="1">
-          <a:blip r:embed="rId10"/>
-          <a:srcRect t="5600" b="13716"/>
-          <a:stretch/>
-        </p:blipFill>
-        <p:spPr>
-          <a:xfrm>
-            <a:off x="6238307" y="3431202"/>
-            <a:ext cx="5486400" cy="3161881"/>
-          </a:xfrm>
-          <a:prstGeom prst="rect">
-            <a:avLst/>
-          </a:prstGeom>
-        </p:spPr>
-      </p:pic>
-      <p:sp>
-        <p:nvSpPr>
-          <p:cNvPr id="22" name="TextBox 21">
-            <a:extLst>
-              <a:ext uri="{FF2B5EF4-FFF2-40B4-BE49-F238E27FC236}">
-                <a16:creationId xmlns:a16="http://schemas.microsoft.com/office/drawing/2014/main" id="{9E8F06A2-1878-7140-8BAD-BAD74DC7B3AB}"/>
-              </a:ext>
-            </a:extLst>
-          </p:cNvPr>
-          <p:cNvSpPr txBox="1"/>
-          <p:nvPr/>
-        </p:nvSpPr>
-        <p:spPr>
-          <a:xfrm>
-            <a:off x="4724400" y="6435981"/>
-            <a:ext cx="2743201" cy="369332"/>
-          </a:xfrm>
-          <a:prstGeom prst="rect">
-            <a:avLst/>
-          </a:prstGeom>
-          <a:noFill/>
-        </p:spPr>
-        <p:txBody>
-          <a:bodyPr wrap="square" rtlCol="0">
-            <a:spAutoFit/>
-          </a:bodyPr>
-          <a:lstStyle/>
-          <a:p>
-            <a:pPr algn="ctr"/>
-            <a:r>
-              <a:rPr lang="en-US" dirty="0">
-                <a:solidFill>
-                  <a:schemeClr val="bg2">
-                    <a:lumMod val="50000"/>
-                  </a:schemeClr>
-                </a:solidFill>
-              </a:rPr>
-              <a:t>Click map to view actuals </a:t>
-            </a:r>
-          </a:p>
-        </p:txBody>
-      </p:sp>
     </p:spTree>
     <p:extLst>
       <p:ext uri="{BB962C8B-B14F-4D97-AF65-F5344CB8AC3E}">
-        <p14:creationId xmlns:p14="http://schemas.microsoft.com/office/powerpoint/2010/main" val="1447236585"/>
+        <p14:creationId xmlns:p14="http://schemas.microsoft.com/office/powerpoint/2010/main" val="4265029096"/>
       </p:ext>
     </p:extLst>
   </p:cSld>
@@ -6359,7 +6260,7 @@
           <a:p>
             <a:r>
               <a:rPr lang="en-US" sz="2400" dirty="0"/>
-              <a:t>Natural Gas Power Generation vs CO2 Emissions</a:t>
+              <a:t>Coal Power Generation vs CO2 Emissions</a:t>
             </a:r>
             <a:br>
               <a:rPr lang="en-US" sz="2400" dirty="0"/>
@@ -6396,7 +6297,7 @@
           <a:p>
             <a:r>
               <a:rPr lang="en-US" sz="1800" dirty="0"/>
-              <a:t>Natural Gas Power Generation</a:t>
+              <a:t>Coal Power Generation</a:t>
             </a:r>
           </a:p>
         </p:txBody>
@@ -6433,32 +6334,31 @@
       </p:sp>
       <p:pic>
         <p:nvPicPr>
-          <p:cNvPr id="10" name="Picture 9">
+          <p:cNvPr id="12" name="Content Placeholder 8">
             <a:hlinkClick r:id="rId3"/>
             <a:extLst>
               <a:ext uri="{FF2B5EF4-FFF2-40B4-BE49-F238E27FC236}">
-                <a16:creationId xmlns:a16="http://schemas.microsoft.com/office/drawing/2014/main" id="{DFA2D24D-DECD-4C44-BDC3-C2DCC2E811FF}"/>
+                <a16:creationId xmlns:a16="http://schemas.microsoft.com/office/drawing/2014/main" id="{C71932B9-2D25-ED42-9622-3174D4F9E275}"/>
               </a:ext>
             </a:extLst>
           </p:cNvPr>
           <p:cNvPicPr>
-            <a:picLocks noChangeAspect="1"/>
+            <a:picLocks noGrp="1" noChangeAspect="1"/>
           </p:cNvPicPr>
-          <p:nvPr/>
+          <p:nvPr>
+            <p:ph sz="half" idx="2"/>
+          </p:nvPr>
         </p:nvPicPr>
         <p:blipFill rotWithShape="1">
           <a:blip r:embed="rId4"/>
-          <a:srcRect t="5513" b="13804"/>
+          <a:srcRect t="5609" b="13707"/>
           <a:stretch/>
         </p:blipFill>
         <p:spPr>
           <a:xfrm>
             <a:off x="91440" y="2743200"/>
-            <a:ext cx="5943600" cy="3425372"/>
+            <a:ext cx="5943599" cy="3425371"/>
           </a:xfrm>
-          <a:prstGeom prst="rect">
-            <a:avLst/>
-          </a:prstGeom>
         </p:spPr>
       </p:pic>
       <p:pic>
@@ -6467,14 +6367,16 @@
             <a:hlinkClick r:id="rId5"/>
             <a:extLst>
               <a:ext uri="{FF2B5EF4-FFF2-40B4-BE49-F238E27FC236}">
-                <a16:creationId xmlns:a16="http://schemas.microsoft.com/office/drawing/2014/main" id="{EE0B7933-4A84-5F43-B3D0-14EAFE8D5A34}"/>
+                <a16:creationId xmlns:a16="http://schemas.microsoft.com/office/drawing/2014/main" id="{97F0DC17-19B9-6C46-8667-78269858A71E}"/>
               </a:ext>
             </a:extLst>
           </p:cNvPr>
           <p:cNvPicPr>
-            <a:picLocks noChangeAspect="1"/>
+            <a:picLocks noGrp="1" noChangeAspect="1"/>
           </p:cNvPicPr>
-          <p:nvPr/>
+          <p:nvPr>
+            <p:ph sz="quarter" idx="4"/>
+          </p:nvPr>
         </p:nvPicPr>
         <p:blipFill rotWithShape="1">
           <a:blip r:embed="rId6"/>
@@ -6486,9 +6388,6 @@
             <a:off x="5997575" y="2743200"/>
             <a:ext cx="5943600" cy="3425371"/>
           </a:xfrm>
-          <a:prstGeom prst="rect">
-            <a:avLst/>
-          </a:prstGeom>
         </p:spPr>
       </p:pic>
       <p:sp>
@@ -6496,7 +6395,7 @@
           <p:cNvPr id="14" name="TextBox 13">
             <a:extLst>
               <a:ext uri="{FF2B5EF4-FFF2-40B4-BE49-F238E27FC236}">
-                <a16:creationId xmlns:a16="http://schemas.microsoft.com/office/drawing/2014/main" id="{B77E4AAB-5AF5-DE4E-8339-71645C4B6BE9}"/>
+                <a16:creationId xmlns:a16="http://schemas.microsoft.com/office/drawing/2014/main" id="{61F6B1C5-FF5F-1B40-9DA9-ED030A53717E}"/>
               </a:ext>
             </a:extLst>
           </p:cNvPr>
@@ -6536,7 +6435,7 @@
     </p:spTree>
     <p:extLst>
       <p:ext uri="{BB962C8B-B14F-4D97-AF65-F5344CB8AC3E}">
-        <p14:creationId xmlns:p14="http://schemas.microsoft.com/office/powerpoint/2010/main" val="747485749"/>
+        <p14:creationId xmlns:p14="http://schemas.microsoft.com/office/powerpoint/2010/main" val="3422582825"/>
       </p:ext>
     </p:extLst>
   </p:cSld>
@@ -6588,7 +6487,7 @@
           <a:p>
             <a:r>
               <a:rPr lang="en-US" sz="2400" dirty="0"/>
-              <a:t>Chronic Respiratory Disease Mortality Rate vs CO2 Emissions</a:t>
+              <a:t>Natural Gas Power Generation vs CO2 Emissions</a:t>
             </a:r>
             <a:br>
               <a:rPr lang="en-US" sz="2400" dirty="0"/>
@@ -6625,7 +6524,7 @@
           <a:p>
             <a:r>
               <a:rPr lang="en-US" sz="1800" dirty="0"/>
-              <a:t>Chronic Respiratory Disease Mortality Rate</a:t>
+              <a:t>Natural Gas Power Generation</a:t>
             </a:r>
           </a:p>
         </p:txBody>
@@ -6662,11 +6561,11 @@
       </p:sp>
       <p:pic>
         <p:nvPicPr>
-          <p:cNvPr id="13" name="Content Placeholder 10">
+          <p:cNvPr id="10" name="Picture 9">
             <a:hlinkClick r:id="rId3"/>
             <a:extLst>
               <a:ext uri="{FF2B5EF4-FFF2-40B4-BE49-F238E27FC236}">
-                <a16:creationId xmlns:a16="http://schemas.microsoft.com/office/drawing/2014/main" id="{F764EA45-E24B-B14F-BD30-776CE109FCD0}"/>
+                <a16:creationId xmlns:a16="http://schemas.microsoft.com/office/drawing/2014/main" id="{DFA2D24D-DECD-4C44-BDC3-C2DCC2E811FF}"/>
               </a:ext>
             </a:extLst>
           </p:cNvPr>
@@ -6677,6 +6576,36 @@
         </p:nvPicPr>
         <p:blipFill rotWithShape="1">
           <a:blip r:embed="rId4"/>
+          <a:srcRect t="5513" b="13804"/>
+          <a:stretch/>
+        </p:blipFill>
+        <p:spPr>
+          <a:xfrm>
+            <a:off x="91440" y="2743200"/>
+            <a:ext cx="5943600" cy="3425372"/>
+          </a:xfrm>
+          <a:prstGeom prst="rect">
+            <a:avLst/>
+          </a:prstGeom>
+        </p:spPr>
+      </p:pic>
+      <p:pic>
+        <p:nvPicPr>
+          <p:cNvPr id="13" name="Content Placeholder 10">
+            <a:hlinkClick r:id="rId5"/>
+            <a:extLst>
+              <a:ext uri="{FF2B5EF4-FFF2-40B4-BE49-F238E27FC236}">
+                <a16:creationId xmlns:a16="http://schemas.microsoft.com/office/drawing/2014/main" id="{EE0B7933-4A84-5F43-B3D0-14EAFE8D5A34}"/>
+              </a:ext>
+            </a:extLst>
+          </p:cNvPr>
+          <p:cNvPicPr>
+            <a:picLocks noChangeAspect="1"/>
+          </p:cNvPicPr>
+          <p:nvPr/>
+        </p:nvPicPr>
+        <p:blipFill rotWithShape="1">
+          <a:blip r:embed="rId6"/>
           <a:srcRect t="5600" b="13716"/>
           <a:stretch/>
         </p:blipFill>
@@ -6690,42 +6619,12 @@
           </a:prstGeom>
         </p:spPr>
       </p:pic>
-      <p:pic>
-        <p:nvPicPr>
-          <p:cNvPr id="14" name="Content Placeholder 8">
-            <a:hlinkClick r:id="rId5"/>
-            <a:extLst>
-              <a:ext uri="{FF2B5EF4-FFF2-40B4-BE49-F238E27FC236}">
-                <a16:creationId xmlns:a16="http://schemas.microsoft.com/office/drawing/2014/main" id="{A001A0A3-F267-AE48-88E1-D1B4E201D42C}"/>
-              </a:ext>
-            </a:extLst>
-          </p:cNvPr>
-          <p:cNvPicPr>
-            <a:picLocks noChangeAspect="1"/>
-          </p:cNvPicPr>
-          <p:nvPr/>
-        </p:nvPicPr>
-        <p:blipFill rotWithShape="1">
-          <a:blip r:embed="rId6"/>
-          <a:srcRect t="5609" b="13707"/>
-          <a:stretch/>
-        </p:blipFill>
-        <p:spPr>
-          <a:xfrm>
-            <a:off x="91440" y="2743200"/>
-            <a:ext cx="5943599" cy="3425371"/>
-          </a:xfrm>
-          <a:prstGeom prst="rect">
-            <a:avLst/>
-          </a:prstGeom>
-        </p:spPr>
-      </p:pic>
-      <p:sp>
-        <p:nvSpPr>
-          <p:cNvPr id="15" name="TextBox 14">
-            <a:extLst>
-              <a:ext uri="{FF2B5EF4-FFF2-40B4-BE49-F238E27FC236}">
-                <a16:creationId xmlns:a16="http://schemas.microsoft.com/office/drawing/2014/main" id="{81877AFC-3530-6242-B9D2-5419FFB93707}"/>
+      <p:sp>
+        <p:nvSpPr>
+          <p:cNvPr id="14" name="TextBox 13">
+            <a:extLst>
+              <a:ext uri="{FF2B5EF4-FFF2-40B4-BE49-F238E27FC236}">
+                <a16:creationId xmlns:a16="http://schemas.microsoft.com/office/drawing/2014/main" id="{B77E4AAB-5AF5-DE4E-8339-71645C4B6BE9}"/>
               </a:ext>
             </a:extLst>
           </p:cNvPr>
@@ -6765,7 +6664,7 @@
     </p:spTree>
     <p:extLst>
       <p:ext uri="{BB962C8B-B14F-4D97-AF65-F5344CB8AC3E}">
-        <p14:creationId xmlns:p14="http://schemas.microsoft.com/office/powerpoint/2010/main" val="2478293093"/>
+        <p14:creationId xmlns:p14="http://schemas.microsoft.com/office/powerpoint/2010/main" val="747485749"/>
       </p:ext>
     </p:extLst>
   </p:cSld>
@@ -6817,7 +6716,7 @@
           <a:p>
             <a:r>
               <a:rPr lang="en-US" sz="2400" dirty="0"/>
-              <a:t>Chronic Respiratory Disease Mortality Rate vs Median Household Income</a:t>
+              <a:t>Chronic Respiratory Disease Mortality Rate vs CO2 Emissions</a:t>
             </a:r>
             <a:br>
               <a:rPr lang="en-US" sz="2400" dirty="0"/>
@@ -6884,18 +6783,18 @@
           <a:p>
             <a:r>
               <a:rPr lang="en-US" sz="1800" dirty="0"/>
-              <a:t>Median Household Income</a:t>
+              <a:t>CO2 Emissions</a:t>
             </a:r>
           </a:p>
         </p:txBody>
       </p:sp>
       <p:pic>
         <p:nvPicPr>
-          <p:cNvPr id="13" name="Content Placeholder 8">
+          <p:cNvPr id="13" name="Content Placeholder 10">
             <a:hlinkClick r:id="rId3"/>
             <a:extLst>
               <a:ext uri="{FF2B5EF4-FFF2-40B4-BE49-F238E27FC236}">
-                <a16:creationId xmlns:a16="http://schemas.microsoft.com/office/drawing/2014/main" id="{86BEFD06-8A43-1341-BD11-83F2F25E9C38}"/>
+                <a16:creationId xmlns:a16="http://schemas.microsoft.com/office/drawing/2014/main" id="{F764EA45-E24B-B14F-BD30-776CE109FCD0}"/>
               </a:ext>
             </a:extLst>
           </p:cNvPr>
@@ -6906,6 +6805,36 @@
         </p:nvPicPr>
         <p:blipFill rotWithShape="1">
           <a:blip r:embed="rId4"/>
+          <a:srcRect t="5600" b="13716"/>
+          <a:stretch/>
+        </p:blipFill>
+        <p:spPr>
+          <a:xfrm>
+            <a:off x="5997575" y="2743200"/>
+            <a:ext cx="5943600" cy="3425371"/>
+          </a:xfrm>
+          <a:prstGeom prst="rect">
+            <a:avLst/>
+          </a:prstGeom>
+        </p:spPr>
+      </p:pic>
+      <p:pic>
+        <p:nvPicPr>
+          <p:cNvPr id="14" name="Content Placeholder 8">
+            <a:hlinkClick r:id="rId5"/>
+            <a:extLst>
+              <a:ext uri="{FF2B5EF4-FFF2-40B4-BE49-F238E27FC236}">
+                <a16:creationId xmlns:a16="http://schemas.microsoft.com/office/drawing/2014/main" id="{A001A0A3-F267-AE48-88E1-D1B4E201D42C}"/>
+              </a:ext>
+            </a:extLst>
+          </p:cNvPr>
+          <p:cNvPicPr>
+            <a:picLocks noChangeAspect="1"/>
+          </p:cNvPicPr>
+          <p:nvPr/>
+        </p:nvPicPr>
+        <p:blipFill rotWithShape="1">
+          <a:blip r:embed="rId6"/>
           <a:srcRect t="5609" b="13707"/>
           <a:stretch/>
         </p:blipFill>
@@ -6919,42 +6848,12 @@
           </a:prstGeom>
         </p:spPr>
       </p:pic>
-      <p:pic>
-        <p:nvPicPr>
-          <p:cNvPr id="14" name="Content Placeholder 10">
-            <a:hlinkClick r:id="rId5"/>
-            <a:extLst>
-              <a:ext uri="{FF2B5EF4-FFF2-40B4-BE49-F238E27FC236}">
-                <a16:creationId xmlns:a16="http://schemas.microsoft.com/office/drawing/2014/main" id="{E66D60C3-CE9A-0C46-9665-29149631FA01}"/>
-              </a:ext>
-            </a:extLst>
-          </p:cNvPr>
-          <p:cNvPicPr>
-            <a:picLocks noChangeAspect="1"/>
-          </p:cNvPicPr>
-          <p:nvPr/>
-        </p:nvPicPr>
-        <p:blipFill rotWithShape="1">
-          <a:blip r:embed="rId6"/>
-          <a:srcRect t="5257" b="14058"/>
-          <a:stretch/>
-        </p:blipFill>
-        <p:spPr>
-          <a:xfrm>
-            <a:off x="5998464" y="2743200"/>
-            <a:ext cx="5943599" cy="3425372"/>
-          </a:xfrm>
-          <a:prstGeom prst="rect">
-            <a:avLst/>
-          </a:prstGeom>
-        </p:spPr>
-      </p:pic>
       <p:sp>
         <p:nvSpPr>
           <p:cNvPr id="15" name="TextBox 14">
             <a:extLst>
               <a:ext uri="{FF2B5EF4-FFF2-40B4-BE49-F238E27FC236}">
-                <a16:creationId xmlns:a16="http://schemas.microsoft.com/office/drawing/2014/main" id="{CD9CD1CE-3996-0E4B-B4C1-939E8B1971A6}"/>
+                <a16:creationId xmlns:a16="http://schemas.microsoft.com/office/drawing/2014/main" id="{81877AFC-3530-6242-B9D2-5419FFB93707}"/>
               </a:ext>
             </a:extLst>
           </p:cNvPr>
@@ -6994,7 +6893,7 @@
     </p:spTree>
     <p:extLst>
       <p:ext uri="{BB962C8B-B14F-4D97-AF65-F5344CB8AC3E}">
-        <p14:creationId xmlns:p14="http://schemas.microsoft.com/office/powerpoint/2010/main" val="2841161660"/>
+        <p14:creationId xmlns:p14="http://schemas.microsoft.com/office/powerpoint/2010/main" val="2478293093"/>
       </p:ext>
     </p:extLst>
   </p:cSld>
@@ -7046,7 +6945,7 @@
           <a:p>
             <a:r>
               <a:rPr lang="en-US" sz="2400" dirty="0"/>
-              <a:t>Coal Power Generation vs Median Household Income</a:t>
+              <a:t>Chronic Respiratory Disease Mortality Rate vs Median Household Income</a:t>
             </a:r>
             <a:br>
               <a:rPr lang="en-US" sz="2400" dirty="0"/>
@@ -7083,7 +6982,7 @@
           <a:p>
             <a:r>
               <a:rPr lang="en-US" sz="1800" dirty="0"/>
-              <a:t>Coal Power Generation</a:t>
+              <a:t>Chronic Respiratory Disease Mortality Rate</a:t>
             </a:r>
           </a:p>
         </p:txBody>
@@ -7124,16 +7023,14 @@
             <a:hlinkClick r:id="rId3"/>
             <a:extLst>
               <a:ext uri="{FF2B5EF4-FFF2-40B4-BE49-F238E27FC236}">
-                <a16:creationId xmlns:a16="http://schemas.microsoft.com/office/drawing/2014/main" id="{97124C45-5F41-F849-835E-83535B417CD5}"/>
+                <a16:creationId xmlns:a16="http://schemas.microsoft.com/office/drawing/2014/main" id="{86BEFD06-8A43-1341-BD11-83F2F25E9C38}"/>
               </a:ext>
             </a:extLst>
           </p:cNvPr>
           <p:cNvPicPr>
-            <a:picLocks noGrp="1" noChangeAspect="1"/>
+            <a:picLocks noChangeAspect="1"/>
           </p:cNvPicPr>
-          <p:nvPr>
-            <p:ph sz="half" idx="2"/>
-          </p:nvPr>
+          <p:nvPr/>
         </p:nvPicPr>
         <p:blipFill rotWithShape="1">
           <a:blip r:embed="rId4"/>
@@ -7145,6 +7042,9 @@
             <a:off x="91440" y="2743200"/>
             <a:ext cx="5943599" cy="3425371"/>
           </a:xfrm>
+          <a:prstGeom prst="rect">
+            <a:avLst/>
+          </a:prstGeom>
         </p:spPr>
       </p:pic>
       <p:pic>
@@ -7153,7 +7053,7 @@
             <a:hlinkClick r:id="rId5"/>
             <a:extLst>
               <a:ext uri="{FF2B5EF4-FFF2-40B4-BE49-F238E27FC236}">
-                <a16:creationId xmlns:a16="http://schemas.microsoft.com/office/drawing/2014/main" id="{B836E33E-F7C5-444E-9970-892A5FE948F0}"/>
+                <a16:creationId xmlns:a16="http://schemas.microsoft.com/office/drawing/2014/main" id="{E66D60C3-CE9A-0C46-9665-29149631FA01}"/>
               </a:ext>
             </a:extLst>
           </p:cNvPr>
@@ -7182,7 +7082,7 @@
           <p:cNvPr id="15" name="TextBox 14">
             <a:extLst>
               <a:ext uri="{FF2B5EF4-FFF2-40B4-BE49-F238E27FC236}">
-                <a16:creationId xmlns:a16="http://schemas.microsoft.com/office/drawing/2014/main" id="{5ECFC4F1-5818-6A45-A462-FF5D16C0DBC8}"/>
+                <a16:creationId xmlns:a16="http://schemas.microsoft.com/office/drawing/2014/main" id="{CD9CD1CE-3996-0E4B-B4C1-939E8B1971A6}"/>
               </a:ext>
             </a:extLst>
           </p:cNvPr>
@@ -7222,7 +7122,7 @@
     </p:spTree>
     <p:extLst>
       <p:ext uri="{BB962C8B-B14F-4D97-AF65-F5344CB8AC3E}">
-        <p14:creationId xmlns:p14="http://schemas.microsoft.com/office/powerpoint/2010/main" val="1891048916"/>
+        <p14:creationId xmlns:p14="http://schemas.microsoft.com/office/powerpoint/2010/main" val="2841161660"/>
       </p:ext>
     </p:extLst>
   </p:cSld>
@@ -7274,7 +7174,7 @@
           <a:p>
             <a:r>
               <a:rPr lang="en-US" sz="2400" dirty="0"/>
-              <a:t>Natural Gas Power Generation vs Median Household Income</a:t>
+              <a:t>Coal Power Generation vs Median Household Income</a:t>
             </a:r>
             <a:br>
               <a:rPr lang="en-US" sz="2400" dirty="0"/>
@@ -7311,7 +7211,7 @@
           <a:p>
             <a:r>
               <a:rPr lang="en-US" sz="1800" dirty="0"/>
-              <a:t>Natural Gas Power Generation</a:t>
+              <a:t>Coal Power Generation</a:t>
             </a:r>
           </a:p>
         </p:txBody>
@@ -7348,32 +7248,31 @@
       </p:sp>
       <p:pic>
         <p:nvPicPr>
-          <p:cNvPr id="13" name="Picture 12">
+          <p:cNvPr id="13" name="Content Placeholder 8">
             <a:hlinkClick r:id="rId3"/>
             <a:extLst>
               <a:ext uri="{FF2B5EF4-FFF2-40B4-BE49-F238E27FC236}">
-                <a16:creationId xmlns:a16="http://schemas.microsoft.com/office/drawing/2014/main" id="{72205DCA-22F0-7444-83B8-0138A89DEAFA}"/>
+                <a16:creationId xmlns:a16="http://schemas.microsoft.com/office/drawing/2014/main" id="{97124C45-5F41-F849-835E-83535B417CD5}"/>
               </a:ext>
             </a:extLst>
           </p:cNvPr>
           <p:cNvPicPr>
-            <a:picLocks noChangeAspect="1"/>
+            <a:picLocks noGrp="1" noChangeAspect="1"/>
           </p:cNvPicPr>
-          <p:nvPr/>
+          <p:nvPr>
+            <p:ph sz="half" idx="2"/>
+          </p:nvPr>
         </p:nvPicPr>
         <p:blipFill rotWithShape="1">
           <a:blip r:embed="rId4"/>
-          <a:srcRect t="5513" b="13804"/>
+          <a:srcRect t="5609" b="13707"/>
           <a:stretch/>
         </p:blipFill>
         <p:spPr>
           <a:xfrm>
             <a:off x="91440" y="2743200"/>
-            <a:ext cx="5943600" cy="3425372"/>
+            <a:ext cx="5943599" cy="3425371"/>
           </a:xfrm>
-          <a:prstGeom prst="rect">
-            <a:avLst/>
-          </a:prstGeom>
         </p:spPr>
       </p:pic>
       <p:pic>
@@ -7382,7 +7281,7 @@
             <a:hlinkClick r:id="rId5"/>
             <a:extLst>
               <a:ext uri="{FF2B5EF4-FFF2-40B4-BE49-F238E27FC236}">
-                <a16:creationId xmlns:a16="http://schemas.microsoft.com/office/drawing/2014/main" id="{1A40659A-4217-6642-8B2A-94C6375FBD98}"/>
+                <a16:creationId xmlns:a16="http://schemas.microsoft.com/office/drawing/2014/main" id="{B836E33E-F7C5-444E-9970-892A5FE948F0}"/>
               </a:ext>
             </a:extLst>
           </p:cNvPr>
@@ -7411,7 +7310,7 @@
           <p:cNvPr id="15" name="TextBox 14">
             <a:extLst>
               <a:ext uri="{FF2B5EF4-FFF2-40B4-BE49-F238E27FC236}">
-                <a16:creationId xmlns:a16="http://schemas.microsoft.com/office/drawing/2014/main" id="{5788CF0F-DFF4-294D-91E8-02BF71D7D4DB}"/>
+                <a16:creationId xmlns:a16="http://schemas.microsoft.com/office/drawing/2014/main" id="{5ECFC4F1-5818-6A45-A462-FF5D16C0DBC8}"/>
               </a:ext>
             </a:extLst>
           </p:cNvPr>
@@ -7451,7 +7350,7 @@
     </p:spTree>
     <p:extLst>
       <p:ext uri="{BB962C8B-B14F-4D97-AF65-F5344CB8AC3E}">
-        <p14:creationId xmlns:p14="http://schemas.microsoft.com/office/powerpoint/2010/main" val="3375460018"/>
+        <p14:creationId xmlns:p14="http://schemas.microsoft.com/office/powerpoint/2010/main" val="1891048916"/>
       </p:ext>
     </p:extLst>
   </p:cSld>
@@ -7478,13 +7377,110 @@
           <a:chExt cx="0" cy="0"/>
         </a:xfrm>
       </p:grpSpPr>
+      <p:sp>
+        <p:nvSpPr>
+          <p:cNvPr id="4" name="Title 3">
+            <a:extLst>
+              <a:ext uri="{FF2B5EF4-FFF2-40B4-BE49-F238E27FC236}">
+                <a16:creationId xmlns:a16="http://schemas.microsoft.com/office/drawing/2014/main" id="{392B4D61-C0B8-1F4C-9B1C-F14AC21E8A3E}"/>
+              </a:ext>
+            </a:extLst>
+          </p:cNvPr>
+          <p:cNvSpPr>
+            <a:spLocks noGrp="1"/>
+          </p:cNvSpPr>
+          <p:nvPr>
+            <p:ph type="title"/>
+          </p:nvPr>
+        </p:nvSpPr>
+        <p:spPr/>
+        <p:txBody>
+          <a:bodyPr anchor="t">
+            <a:normAutofit/>
+          </a:bodyPr>
+          <a:lstStyle/>
+          <a:p>
+            <a:r>
+              <a:rPr lang="en-US" sz="2400" dirty="0"/>
+              <a:t>Natural Gas Power Generation vs Median Household Income</a:t>
+            </a:r>
+            <a:br>
+              <a:rPr lang="en-US" sz="2400" dirty="0"/>
+            </a:br>
+            <a:r>
+              <a:rPr lang="en-US" sz="2400" dirty="0"/>
+              <a:t>Year 2005</a:t>
+            </a:r>
+          </a:p>
+        </p:txBody>
+      </p:sp>
+      <p:sp>
+        <p:nvSpPr>
+          <p:cNvPr id="5" name="Text Placeholder 4">
+            <a:extLst>
+              <a:ext uri="{FF2B5EF4-FFF2-40B4-BE49-F238E27FC236}">
+                <a16:creationId xmlns:a16="http://schemas.microsoft.com/office/drawing/2014/main" id="{F7D008E2-B609-414E-964D-C07E984BE5B7}"/>
+              </a:ext>
+            </a:extLst>
+          </p:cNvPr>
+          <p:cNvSpPr>
+            <a:spLocks noGrp="1"/>
+          </p:cNvSpPr>
+          <p:nvPr>
+            <p:ph type="body" idx="1"/>
+          </p:nvPr>
+        </p:nvSpPr>
+        <p:spPr/>
+        <p:txBody>
+          <a:bodyPr anchor="t">
+            <a:normAutofit/>
+          </a:bodyPr>
+          <a:lstStyle/>
+          <a:p>
+            <a:r>
+              <a:rPr lang="en-US" sz="1800" dirty="0"/>
+              <a:t>Natural Gas Power Generation</a:t>
+            </a:r>
+          </a:p>
+        </p:txBody>
+      </p:sp>
+      <p:sp>
+        <p:nvSpPr>
+          <p:cNvPr id="7" name="Text Placeholder 6">
+            <a:extLst>
+              <a:ext uri="{FF2B5EF4-FFF2-40B4-BE49-F238E27FC236}">
+                <a16:creationId xmlns:a16="http://schemas.microsoft.com/office/drawing/2014/main" id="{6A1D2EC0-B35D-B346-9CB2-30D51EA6CC67}"/>
+              </a:ext>
+            </a:extLst>
+          </p:cNvPr>
+          <p:cNvSpPr>
+            <a:spLocks noGrp="1"/>
+          </p:cNvSpPr>
+          <p:nvPr>
+            <p:ph type="body" sz="quarter" idx="3"/>
+          </p:nvPr>
+        </p:nvSpPr>
+        <p:spPr/>
+        <p:txBody>
+          <a:bodyPr anchor="t">
+            <a:normAutofit/>
+          </a:bodyPr>
+          <a:lstStyle/>
+          <a:p>
+            <a:r>
+              <a:rPr lang="en-US" sz="1800" dirty="0"/>
+              <a:t>Median Household Income</a:t>
+            </a:r>
+          </a:p>
+        </p:txBody>
+      </p:sp>
       <p:pic>
         <p:nvPicPr>
-          <p:cNvPr id="3" name="Picture 2">
+          <p:cNvPr id="13" name="Picture 12">
             <a:hlinkClick r:id="rId3"/>
             <a:extLst>
               <a:ext uri="{FF2B5EF4-FFF2-40B4-BE49-F238E27FC236}">
-                <a16:creationId xmlns:a16="http://schemas.microsoft.com/office/drawing/2014/main" id="{140F80FD-01E8-9744-AF63-777433AEAB4B}"/>
+                <a16:creationId xmlns:a16="http://schemas.microsoft.com/office/drawing/2014/main" id="{72205DCA-22F0-7444-83B8-0138A89DEAFA}"/>
               </a:ext>
             </a:extLst>
           </p:cNvPr>
@@ -7500,8 +7496,8 @@
         </p:blipFill>
         <p:spPr>
           <a:xfrm>
-            <a:off x="274320" y="3429000"/>
-            <a:ext cx="5486400" cy="3161882"/>
+            <a:off x="91440" y="2743200"/>
+            <a:ext cx="5943600" cy="3425372"/>
           </a:xfrm>
           <a:prstGeom prst="rect">
             <a:avLst/>
@@ -7510,11 +7506,11 @@
       </p:pic>
       <p:pic>
         <p:nvPicPr>
-          <p:cNvPr id="5" name="Picture 4">
+          <p:cNvPr id="14" name="Content Placeholder 10">
             <a:hlinkClick r:id="rId5"/>
             <a:extLst>
               <a:ext uri="{FF2B5EF4-FFF2-40B4-BE49-F238E27FC236}">
-                <a16:creationId xmlns:a16="http://schemas.microsoft.com/office/drawing/2014/main" id="{8FACB942-B75F-DF41-8E84-6BCBDCEDC36B}"/>
+                <a16:creationId xmlns:a16="http://schemas.microsoft.com/office/drawing/2014/main" id="{1A40659A-4217-6642-8B2A-94C6375FBD98}"/>
               </a:ext>
             </a:extLst>
           </p:cNvPr>
@@ -7525,85 +7521,25 @@
         </p:nvPicPr>
         <p:blipFill rotWithShape="1">
           <a:blip r:embed="rId6"/>
-          <a:srcRect t="5513" b="13804"/>
+          <a:srcRect t="5257" b="14058"/>
           <a:stretch/>
         </p:blipFill>
         <p:spPr>
           <a:xfrm>
-            <a:off x="6236208" y="91440"/>
-            <a:ext cx="5486400" cy="3161882"/>
+            <a:off x="5998464" y="2743200"/>
+            <a:ext cx="5943599" cy="3425372"/>
           </a:xfrm>
           <a:prstGeom prst="rect">
             <a:avLst/>
           </a:prstGeom>
         </p:spPr>
       </p:pic>
-      <p:pic>
-        <p:nvPicPr>
-          <p:cNvPr id="7" name="Picture 6">
-            <a:hlinkClick r:id="rId7"/>
-            <a:extLst>
-              <a:ext uri="{FF2B5EF4-FFF2-40B4-BE49-F238E27FC236}">
-                <a16:creationId xmlns:a16="http://schemas.microsoft.com/office/drawing/2014/main" id="{823D84C5-0DD7-6D46-B1E8-DB3596ED88B3}"/>
-              </a:ext>
-            </a:extLst>
-          </p:cNvPr>
-          <p:cNvPicPr>
-            <a:picLocks noChangeAspect="1"/>
-          </p:cNvPicPr>
-          <p:nvPr/>
-        </p:nvPicPr>
-        <p:blipFill rotWithShape="1">
-          <a:blip r:embed="rId8"/>
-          <a:srcRect t="5513" b="13804"/>
-          <a:stretch/>
-        </p:blipFill>
-        <p:spPr>
-          <a:xfrm>
-            <a:off x="6236208" y="3429000"/>
-            <a:ext cx="5486400" cy="3161882"/>
-          </a:xfrm>
-          <a:prstGeom prst="rect">
-            <a:avLst/>
-          </a:prstGeom>
-        </p:spPr>
-      </p:pic>
-      <p:pic>
-        <p:nvPicPr>
-          <p:cNvPr id="9" name="Picture 8">
-            <a:hlinkClick r:id="rId9"/>
-            <a:extLst>
-              <a:ext uri="{FF2B5EF4-FFF2-40B4-BE49-F238E27FC236}">
-                <a16:creationId xmlns:a16="http://schemas.microsoft.com/office/drawing/2014/main" id="{E2C5F555-9BD3-1948-8153-785204AF9AC1}"/>
-              </a:ext>
-            </a:extLst>
-          </p:cNvPr>
-          <p:cNvPicPr>
-            <a:picLocks noChangeAspect="1"/>
-          </p:cNvPicPr>
-          <p:nvPr/>
-        </p:nvPicPr>
-        <p:blipFill rotWithShape="1">
-          <a:blip r:embed="rId10"/>
-          <a:srcRect t="5513" b="13804"/>
-          <a:stretch/>
-        </p:blipFill>
-        <p:spPr>
-          <a:xfrm>
-            <a:off x="274320" y="91440"/>
-            <a:ext cx="5486400" cy="3161882"/>
-          </a:xfrm>
-          <a:prstGeom prst="rect">
-            <a:avLst/>
-          </a:prstGeom>
-        </p:spPr>
-      </p:pic>
-      <p:sp>
-        <p:nvSpPr>
-          <p:cNvPr id="18" name="TextBox 17">
-            <a:extLst>
-              <a:ext uri="{FF2B5EF4-FFF2-40B4-BE49-F238E27FC236}">
-                <a16:creationId xmlns:a16="http://schemas.microsoft.com/office/drawing/2014/main" id="{35110CCA-589F-0D42-8A38-45404A727C78}"/>
+      <p:sp>
+        <p:nvSpPr>
+          <p:cNvPr id="15" name="TextBox 14">
+            <a:extLst>
+              <a:ext uri="{FF2B5EF4-FFF2-40B4-BE49-F238E27FC236}">
+                <a16:creationId xmlns:a16="http://schemas.microsoft.com/office/drawing/2014/main" id="{5788CF0F-DFF4-294D-91E8-02BF71D7D4DB}"/>
               </a:ext>
             </a:extLst>
           </p:cNvPr>
@@ -7643,7 +7579,7 @@
     </p:spTree>
     <p:extLst>
       <p:ext uri="{BB962C8B-B14F-4D97-AF65-F5344CB8AC3E}">
-        <p14:creationId xmlns:p14="http://schemas.microsoft.com/office/powerpoint/2010/main" val="3189347767"/>
+        <p14:creationId xmlns:p14="http://schemas.microsoft.com/office/powerpoint/2010/main" val="3375460018"/>
       </p:ext>
     </p:extLst>
   </p:cSld>
@@ -7670,110 +7606,13 @@
           <a:chExt cx="0" cy="0"/>
         </a:xfrm>
       </p:grpSpPr>
-      <p:sp>
-        <p:nvSpPr>
-          <p:cNvPr id="4" name="Title 3">
-            <a:extLst>
-              <a:ext uri="{FF2B5EF4-FFF2-40B4-BE49-F238E27FC236}">
-                <a16:creationId xmlns:a16="http://schemas.microsoft.com/office/drawing/2014/main" id="{392B4D61-C0B8-1F4C-9B1C-F14AC21E8A3E}"/>
-              </a:ext>
-            </a:extLst>
-          </p:cNvPr>
-          <p:cNvSpPr>
-            <a:spLocks noGrp="1"/>
-          </p:cNvSpPr>
-          <p:nvPr>
-            <p:ph type="title"/>
-          </p:nvPr>
-        </p:nvSpPr>
-        <p:spPr/>
-        <p:txBody>
-          <a:bodyPr anchor="t">
-            <a:normAutofit/>
-          </a:bodyPr>
-          <a:lstStyle/>
-          <a:p>
-            <a:r>
-              <a:rPr lang="en-US" sz="2400" dirty="0"/>
-              <a:t>Coal Power Generation vs CO2 Emissions</a:t>
-            </a:r>
-            <a:br>
-              <a:rPr lang="en-US" sz="2400" dirty="0"/>
-            </a:br>
-            <a:r>
-              <a:rPr lang="en-US" sz="2400" dirty="0"/>
-              <a:t>Year 2010</a:t>
-            </a:r>
-          </a:p>
-        </p:txBody>
-      </p:sp>
-      <p:sp>
-        <p:nvSpPr>
-          <p:cNvPr id="5" name="Text Placeholder 4">
-            <a:extLst>
-              <a:ext uri="{FF2B5EF4-FFF2-40B4-BE49-F238E27FC236}">
-                <a16:creationId xmlns:a16="http://schemas.microsoft.com/office/drawing/2014/main" id="{F7D008E2-B609-414E-964D-C07E984BE5B7}"/>
-              </a:ext>
-            </a:extLst>
-          </p:cNvPr>
-          <p:cNvSpPr>
-            <a:spLocks noGrp="1"/>
-          </p:cNvSpPr>
-          <p:nvPr>
-            <p:ph type="body" idx="1"/>
-          </p:nvPr>
-        </p:nvSpPr>
-        <p:spPr/>
-        <p:txBody>
-          <a:bodyPr anchor="t">
-            <a:normAutofit/>
-          </a:bodyPr>
-          <a:lstStyle/>
-          <a:p>
-            <a:r>
-              <a:rPr lang="en-US" sz="1800" dirty="0"/>
-              <a:t>Coal Power Generation</a:t>
-            </a:r>
-          </a:p>
-        </p:txBody>
-      </p:sp>
-      <p:sp>
-        <p:nvSpPr>
-          <p:cNvPr id="7" name="Text Placeholder 6">
-            <a:extLst>
-              <a:ext uri="{FF2B5EF4-FFF2-40B4-BE49-F238E27FC236}">
-                <a16:creationId xmlns:a16="http://schemas.microsoft.com/office/drawing/2014/main" id="{6A1D2EC0-B35D-B346-9CB2-30D51EA6CC67}"/>
-              </a:ext>
-            </a:extLst>
-          </p:cNvPr>
-          <p:cNvSpPr>
-            <a:spLocks noGrp="1"/>
-          </p:cNvSpPr>
-          <p:nvPr>
-            <p:ph type="body" sz="quarter" idx="3"/>
-          </p:nvPr>
-        </p:nvSpPr>
-        <p:spPr/>
-        <p:txBody>
-          <a:bodyPr anchor="t">
-            <a:normAutofit/>
-          </a:bodyPr>
-          <a:lstStyle/>
-          <a:p>
-            <a:r>
-              <a:rPr lang="en-US" sz="1800" dirty="0"/>
-              <a:t>CO2 Emissions</a:t>
-            </a:r>
-          </a:p>
-        </p:txBody>
-      </p:sp>
       <p:pic>
         <p:nvPicPr>
-          <p:cNvPr id="6" name="Picture 5">
+          <p:cNvPr id="3" name="Picture 2">
             <a:hlinkClick r:id="rId3"/>
             <a:extLst>
               <a:ext uri="{FF2B5EF4-FFF2-40B4-BE49-F238E27FC236}">
-                <a16:creationId xmlns:a16="http://schemas.microsoft.com/office/drawing/2014/main" id="{D3ECA4A4-ACF3-4245-83D1-B0D6EC5C2F7F}"/>
+                <a16:creationId xmlns:a16="http://schemas.microsoft.com/office/drawing/2014/main" id="{140F80FD-01E8-9744-AF63-777433AEAB4B}"/>
               </a:ext>
             </a:extLst>
           </p:cNvPr>
@@ -7789,8 +7628,8 @@
         </p:blipFill>
         <p:spPr>
           <a:xfrm>
-            <a:off x="5996687" y="2743200"/>
-            <a:ext cx="5943600" cy="3425372"/>
+            <a:off x="274320" y="3429000"/>
+            <a:ext cx="5486400" cy="3161882"/>
           </a:xfrm>
           <a:prstGeom prst="rect">
             <a:avLst/>
@@ -7799,11 +7638,11 @@
       </p:pic>
       <p:pic>
         <p:nvPicPr>
-          <p:cNvPr id="8" name="Picture 7">
+          <p:cNvPr id="5" name="Picture 4">
             <a:hlinkClick r:id="rId5"/>
             <a:extLst>
               <a:ext uri="{FF2B5EF4-FFF2-40B4-BE49-F238E27FC236}">
-                <a16:creationId xmlns:a16="http://schemas.microsoft.com/office/drawing/2014/main" id="{FA11FE90-AE0C-CA4E-80A3-7DE11200AC1A}"/>
+                <a16:creationId xmlns:a16="http://schemas.microsoft.com/office/drawing/2014/main" id="{8FACB942-B75F-DF41-8E84-6BCBDCEDC36B}"/>
               </a:ext>
             </a:extLst>
           </p:cNvPr>
@@ -7819,20 +7658,80 @@
         </p:blipFill>
         <p:spPr>
           <a:xfrm>
-            <a:off x="91440" y="2743200"/>
-            <a:ext cx="5943600" cy="3425372"/>
+            <a:off x="6236208" y="91440"/>
+            <a:ext cx="5486400" cy="3161882"/>
           </a:xfrm>
           <a:prstGeom prst="rect">
             <a:avLst/>
           </a:prstGeom>
         </p:spPr>
       </p:pic>
-      <p:sp>
-        <p:nvSpPr>
-          <p:cNvPr id="9" name="TextBox 8">
-            <a:extLst>
-              <a:ext uri="{FF2B5EF4-FFF2-40B4-BE49-F238E27FC236}">
-                <a16:creationId xmlns:a16="http://schemas.microsoft.com/office/drawing/2014/main" id="{0361AB23-ABA7-504D-B8A5-777E577E13AD}"/>
+      <p:pic>
+        <p:nvPicPr>
+          <p:cNvPr id="7" name="Picture 6">
+            <a:hlinkClick r:id="rId7"/>
+            <a:extLst>
+              <a:ext uri="{FF2B5EF4-FFF2-40B4-BE49-F238E27FC236}">
+                <a16:creationId xmlns:a16="http://schemas.microsoft.com/office/drawing/2014/main" id="{823D84C5-0DD7-6D46-B1E8-DB3596ED88B3}"/>
+              </a:ext>
+            </a:extLst>
+          </p:cNvPr>
+          <p:cNvPicPr>
+            <a:picLocks noChangeAspect="1"/>
+          </p:cNvPicPr>
+          <p:nvPr/>
+        </p:nvPicPr>
+        <p:blipFill rotWithShape="1">
+          <a:blip r:embed="rId8"/>
+          <a:srcRect t="5513" b="13804"/>
+          <a:stretch/>
+        </p:blipFill>
+        <p:spPr>
+          <a:xfrm>
+            <a:off x="6236208" y="3429000"/>
+            <a:ext cx="5486400" cy="3161882"/>
+          </a:xfrm>
+          <a:prstGeom prst="rect">
+            <a:avLst/>
+          </a:prstGeom>
+        </p:spPr>
+      </p:pic>
+      <p:pic>
+        <p:nvPicPr>
+          <p:cNvPr id="9" name="Picture 8">
+            <a:hlinkClick r:id="rId9"/>
+            <a:extLst>
+              <a:ext uri="{FF2B5EF4-FFF2-40B4-BE49-F238E27FC236}">
+                <a16:creationId xmlns:a16="http://schemas.microsoft.com/office/drawing/2014/main" id="{E2C5F555-9BD3-1948-8153-785204AF9AC1}"/>
+              </a:ext>
+            </a:extLst>
+          </p:cNvPr>
+          <p:cNvPicPr>
+            <a:picLocks noChangeAspect="1"/>
+          </p:cNvPicPr>
+          <p:nvPr/>
+        </p:nvPicPr>
+        <p:blipFill rotWithShape="1">
+          <a:blip r:embed="rId10"/>
+          <a:srcRect t="5513" b="13804"/>
+          <a:stretch/>
+        </p:blipFill>
+        <p:spPr>
+          <a:xfrm>
+            <a:off x="274320" y="91440"/>
+            <a:ext cx="5486400" cy="3161882"/>
+          </a:xfrm>
+          <a:prstGeom prst="rect">
+            <a:avLst/>
+          </a:prstGeom>
+        </p:spPr>
+      </p:pic>
+      <p:sp>
+        <p:nvSpPr>
+          <p:cNvPr id="18" name="TextBox 17">
+            <a:extLst>
+              <a:ext uri="{FF2B5EF4-FFF2-40B4-BE49-F238E27FC236}">
+                <a16:creationId xmlns:a16="http://schemas.microsoft.com/office/drawing/2014/main" id="{35110CCA-589F-0D42-8A38-45404A727C78}"/>
               </a:ext>
             </a:extLst>
           </p:cNvPr>
@@ -7872,7 +7771,7 @@
     </p:spTree>
     <p:extLst>
       <p:ext uri="{BB962C8B-B14F-4D97-AF65-F5344CB8AC3E}">
-        <p14:creationId xmlns:p14="http://schemas.microsoft.com/office/powerpoint/2010/main" val="367353598"/>
+        <p14:creationId xmlns:p14="http://schemas.microsoft.com/office/powerpoint/2010/main" val="3189347767"/>
       </p:ext>
     </p:extLst>
   </p:cSld>
@@ -7924,7 +7823,7 @@
           <a:p>
             <a:r>
               <a:rPr lang="en-US" sz="2400" dirty="0"/>
-              <a:t>Natural Gas Power Generation vs CO2 Emissions</a:t>
+              <a:t>Coal Power Generation vs CO2 Emissions</a:t>
             </a:r>
             <a:br>
               <a:rPr lang="en-US" sz="2400" dirty="0"/>
@@ -7961,7 +7860,7 @@
           <a:p>
             <a:r>
               <a:rPr lang="en-US" sz="1800" dirty="0"/>
-              <a:t>Natural Gas Power Generation</a:t>
+              <a:t>Coal Power Generation</a:t>
             </a:r>
           </a:p>
         </p:txBody>
@@ -8002,7 +7901,7 @@
             <a:hlinkClick r:id="rId3"/>
             <a:extLst>
               <a:ext uri="{FF2B5EF4-FFF2-40B4-BE49-F238E27FC236}">
-                <a16:creationId xmlns:a16="http://schemas.microsoft.com/office/drawing/2014/main" id="{E5CA2D0D-BF20-4247-BF13-3D94D60EAE41}"/>
+                <a16:creationId xmlns:a16="http://schemas.microsoft.com/office/drawing/2014/main" id="{D3ECA4A4-ACF3-4245-83D1-B0D6EC5C2F7F}"/>
               </a:ext>
             </a:extLst>
           </p:cNvPr>
@@ -8028,11 +7927,11 @@
       </p:pic>
       <p:pic>
         <p:nvPicPr>
-          <p:cNvPr id="3" name="Picture 2">
+          <p:cNvPr id="8" name="Picture 7">
             <a:hlinkClick r:id="rId5"/>
             <a:extLst>
               <a:ext uri="{FF2B5EF4-FFF2-40B4-BE49-F238E27FC236}">
-                <a16:creationId xmlns:a16="http://schemas.microsoft.com/office/drawing/2014/main" id="{F04BCB94-97D1-B944-A42C-23D2902EDFE6}"/>
+                <a16:creationId xmlns:a16="http://schemas.microsoft.com/office/drawing/2014/main" id="{FA11FE90-AE0C-CA4E-80A3-7DE11200AC1A}"/>
               </a:ext>
             </a:extLst>
           </p:cNvPr>
@@ -8058,10 +7957,10 @@
       </p:pic>
       <p:sp>
         <p:nvSpPr>
-          <p:cNvPr id="8" name="TextBox 7">
-            <a:extLst>
-              <a:ext uri="{FF2B5EF4-FFF2-40B4-BE49-F238E27FC236}">
-                <a16:creationId xmlns:a16="http://schemas.microsoft.com/office/drawing/2014/main" id="{D8E59140-C694-784A-B8C2-0A8882DB4A9C}"/>
+          <p:cNvPr id="9" name="TextBox 8">
+            <a:extLst>
+              <a:ext uri="{FF2B5EF4-FFF2-40B4-BE49-F238E27FC236}">
+                <a16:creationId xmlns:a16="http://schemas.microsoft.com/office/drawing/2014/main" id="{0361AB23-ABA7-504D-B8A5-777E577E13AD}"/>
               </a:ext>
             </a:extLst>
           </p:cNvPr>
@@ -8101,7 +8000,7 @@
     </p:spTree>
     <p:extLst>
       <p:ext uri="{BB962C8B-B14F-4D97-AF65-F5344CB8AC3E}">
-        <p14:creationId xmlns:p14="http://schemas.microsoft.com/office/powerpoint/2010/main" val="715147876"/>
+        <p14:creationId xmlns:p14="http://schemas.microsoft.com/office/powerpoint/2010/main" val="367353598"/>
       </p:ext>
     </p:extLst>
   </p:cSld>
@@ -8153,7 +8052,7 @@
           <a:p>
             <a:r>
               <a:rPr lang="en-US" sz="2400" dirty="0"/>
-              <a:t>Chronic Respiratory Disease Mortality Rate vs CO2 Emissions</a:t>
+              <a:t>Natural Gas Power Generation vs CO2 Emissions</a:t>
             </a:r>
             <a:br>
               <a:rPr lang="en-US" sz="2400" dirty="0"/>
@@ -8190,7 +8089,7 @@
           <a:p>
             <a:r>
               <a:rPr lang="en-US" sz="1800" dirty="0"/>
-              <a:t>Chronic Respiratory Disease Mortality Rate</a:t>
+              <a:t>Natural Gas Power Generation</a:t>
             </a:r>
           </a:p>
         </p:txBody>
@@ -8231,7 +8130,7 @@
             <a:hlinkClick r:id="rId3"/>
             <a:extLst>
               <a:ext uri="{FF2B5EF4-FFF2-40B4-BE49-F238E27FC236}">
-                <a16:creationId xmlns:a16="http://schemas.microsoft.com/office/drawing/2014/main" id="{CB0851FD-AF15-664E-9F96-95B3A27BB21D}"/>
+                <a16:creationId xmlns:a16="http://schemas.microsoft.com/office/drawing/2014/main" id="{E5CA2D0D-BF20-4247-BF13-3D94D60EAE41}"/>
               </a:ext>
             </a:extLst>
           </p:cNvPr>
@@ -8257,11 +8156,11 @@
       </p:pic>
       <p:pic>
         <p:nvPicPr>
-          <p:cNvPr id="8" name="Picture 7">
+          <p:cNvPr id="3" name="Picture 2">
             <a:hlinkClick r:id="rId5"/>
             <a:extLst>
               <a:ext uri="{FF2B5EF4-FFF2-40B4-BE49-F238E27FC236}">
-                <a16:creationId xmlns:a16="http://schemas.microsoft.com/office/drawing/2014/main" id="{26E87ACC-8C72-9C46-BB9E-9C60AFCE0594}"/>
+                <a16:creationId xmlns:a16="http://schemas.microsoft.com/office/drawing/2014/main" id="{F04BCB94-97D1-B944-A42C-23D2902EDFE6}"/>
               </a:ext>
             </a:extLst>
           </p:cNvPr>
@@ -8287,10 +8186,10 @@
       </p:pic>
       <p:sp>
         <p:nvSpPr>
-          <p:cNvPr id="9" name="TextBox 8">
-            <a:extLst>
-              <a:ext uri="{FF2B5EF4-FFF2-40B4-BE49-F238E27FC236}">
-                <a16:creationId xmlns:a16="http://schemas.microsoft.com/office/drawing/2014/main" id="{2EF7C9A7-6C29-8845-BA1C-6EA353EDE569}"/>
+          <p:cNvPr id="8" name="TextBox 7">
+            <a:extLst>
+              <a:ext uri="{FF2B5EF4-FFF2-40B4-BE49-F238E27FC236}">
+                <a16:creationId xmlns:a16="http://schemas.microsoft.com/office/drawing/2014/main" id="{D8E59140-C694-784A-B8C2-0A8882DB4A9C}"/>
               </a:ext>
             </a:extLst>
           </p:cNvPr>
@@ -8330,7 +8229,7 @@
     </p:spTree>
     <p:extLst>
       <p:ext uri="{BB962C8B-B14F-4D97-AF65-F5344CB8AC3E}">
-        <p14:creationId xmlns:p14="http://schemas.microsoft.com/office/powerpoint/2010/main" val="2783302181"/>
+        <p14:creationId xmlns:p14="http://schemas.microsoft.com/office/powerpoint/2010/main" val="715147876"/>
       </p:ext>
     </p:extLst>
   </p:cSld>
@@ -8382,7 +8281,7 @@
           <a:p>
             <a:r>
               <a:rPr lang="en-US" sz="2400" dirty="0"/>
-              <a:t>Chronic Respiratory Disease Mortality Rate vs Median Household Income</a:t>
+              <a:t>Chronic Respiratory Disease Mortality Rate vs CO2 Emissions</a:t>
             </a:r>
             <a:br>
               <a:rPr lang="en-US" sz="2400" dirty="0"/>
@@ -8449,7 +8348,7 @@
           <a:p>
             <a:r>
               <a:rPr lang="en-US" sz="1800" dirty="0"/>
-              <a:t>Median Household Income</a:t>
+              <a:t>CO2 Emissions</a:t>
             </a:r>
           </a:p>
         </p:txBody>
@@ -8460,7 +8359,7 @@
             <a:hlinkClick r:id="rId3"/>
             <a:extLst>
               <a:ext uri="{FF2B5EF4-FFF2-40B4-BE49-F238E27FC236}">
-                <a16:creationId xmlns:a16="http://schemas.microsoft.com/office/drawing/2014/main" id="{3773D5DE-5CA9-6E43-AA34-36D34ADF00E3}"/>
+                <a16:creationId xmlns:a16="http://schemas.microsoft.com/office/drawing/2014/main" id="{CB0851FD-AF15-664E-9F96-95B3A27BB21D}"/>
               </a:ext>
             </a:extLst>
           </p:cNvPr>
@@ -8471,6 +8370,36 @@
         </p:nvPicPr>
         <p:blipFill rotWithShape="1">
           <a:blip r:embed="rId4"/>
+          <a:srcRect t="5513" b="13804"/>
+          <a:stretch/>
+        </p:blipFill>
+        <p:spPr>
+          <a:xfrm>
+            <a:off x="5996687" y="2743200"/>
+            <a:ext cx="5943600" cy="3425372"/>
+          </a:xfrm>
+          <a:prstGeom prst="rect">
+            <a:avLst/>
+          </a:prstGeom>
+        </p:spPr>
+      </p:pic>
+      <p:pic>
+        <p:nvPicPr>
+          <p:cNvPr id="8" name="Picture 7">
+            <a:hlinkClick r:id="rId5"/>
+            <a:extLst>
+              <a:ext uri="{FF2B5EF4-FFF2-40B4-BE49-F238E27FC236}">
+                <a16:creationId xmlns:a16="http://schemas.microsoft.com/office/drawing/2014/main" id="{26E87ACC-8C72-9C46-BB9E-9C60AFCE0594}"/>
+              </a:ext>
+            </a:extLst>
+          </p:cNvPr>
+          <p:cNvPicPr>
+            <a:picLocks noChangeAspect="1"/>
+          </p:cNvPicPr>
+          <p:nvPr/>
+        </p:nvPicPr>
+        <p:blipFill rotWithShape="1">
+          <a:blip r:embed="rId6"/>
           <a:srcRect t="5513" b="13804"/>
           <a:stretch/>
         </p:blipFill>
@@ -8484,42 +8413,12 @@
           </a:prstGeom>
         </p:spPr>
       </p:pic>
-      <p:pic>
-        <p:nvPicPr>
-          <p:cNvPr id="8" name="Picture 7">
-            <a:hlinkClick r:id="rId5"/>
-            <a:extLst>
-              <a:ext uri="{FF2B5EF4-FFF2-40B4-BE49-F238E27FC236}">
-                <a16:creationId xmlns:a16="http://schemas.microsoft.com/office/drawing/2014/main" id="{7ACB7FC7-F449-E049-AC36-E8F83370DE83}"/>
-              </a:ext>
-            </a:extLst>
-          </p:cNvPr>
-          <p:cNvPicPr>
-            <a:picLocks noChangeAspect="1"/>
-          </p:cNvPicPr>
-          <p:nvPr/>
-        </p:nvPicPr>
-        <p:blipFill rotWithShape="1">
-          <a:blip r:embed="rId6"/>
-          <a:srcRect t="5513" b="13804"/>
-          <a:stretch/>
-        </p:blipFill>
-        <p:spPr>
-          <a:xfrm>
-            <a:off x="5998464" y="2743200"/>
-            <a:ext cx="5943600" cy="3425372"/>
-          </a:xfrm>
-          <a:prstGeom prst="rect">
-            <a:avLst/>
-          </a:prstGeom>
-        </p:spPr>
-      </p:pic>
       <p:sp>
         <p:nvSpPr>
           <p:cNvPr id="9" name="TextBox 8">
             <a:extLst>
               <a:ext uri="{FF2B5EF4-FFF2-40B4-BE49-F238E27FC236}">
-                <a16:creationId xmlns:a16="http://schemas.microsoft.com/office/drawing/2014/main" id="{7A7BCF1D-3B63-0043-BDF3-2FEA00B3184E}"/>
+                <a16:creationId xmlns:a16="http://schemas.microsoft.com/office/drawing/2014/main" id="{2EF7C9A7-6C29-8845-BA1C-6EA353EDE569}"/>
               </a:ext>
             </a:extLst>
           </p:cNvPr>
@@ -8559,7 +8458,7 @@
     </p:spTree>
     <p:extLst>
       <p:ext uri="{BB962C8B-B14F-4D97-AF65-F5344CB8AC3E}">
-        <p14:creationId xmlns:p14="http://schemas.microsoft.com/office/powerpoint/2010/main" val="1574441497"/>
+        <p14:creationId xmlns:p14="http://schemas.microsoft.com/office/powerpoint/2010/main" val="2783302181"/>
       </p:ext>
     </p:extLst>
   </p:cSld>
@@ -8586,110 +8485,13 @@
           <a:chExt cx="0" cy="0"/>
         </a:xfrm>
       </p:grpSpPr>
-      <p:sp>
-        <p:nvSpPr>
-          <p:cNvPr id="4" name="Title 3">
-            <a:extLst>
-              <a:ext uri="{FF2B5EF4-FFF2-40B4-BE49-F238E27FC236}">
-                <a16:creationId xmlns:a16="http://schemas.microsoft.com/office/drawing/2014/main" id="{392B4D61-C0B8-1F4C-9B1C-F14AC21E8A3E}"/>
-              </a:ext>
-            </a:extLst>
-          </p:cNvPr>
-          <p:cNvSpPr>
-            <a:spLocks noGrp="1"/>
-          </p:cNvSpPr>
-          <p:nvPr>
-            <p:ph type="title"/>
-          </p:nvPr>
-        </p:nvSpPr>
-        <p:spPr/>
-        <p:txBody>
-          <a:bodyPr anchor="t">
-            <a:normAutofit/>
-          </a:bodyPr>
-          <a:lstStyle/>
-          <a:p>
-            <a:r>
-              <a:rPr lang="en-US" sz="2400" dirty="0"/>
-              <a:t>Coal Power Generation vs CO2 Emissions</a:t>
-            </a:r>
-            <a:br>
-              <a:rPr lang="en-US" sz="2400" dirty="0"/>
-            </a:br>
-            <a:r>
-              <a:rPr lang="en-US" sz="2400" dirty="0"/>
-              <a:t>Year 2000</a:t>
-            </a:r>
-          </a:p>
-        </p:txBody>
-      </p:sp>
-      <p:sp>
-        <p:nvSpPr>
-          <p:cNvPr id="5" name="Text Placeholder 4">
-            <a:extLst>
-              <a:ext uri="{FF2B5EF4-FFF2-40B4-BE49-F238E27FC236}">
-                <a16:creationId xmlns:a16="http://schemas.microsoft.com/office/drawing/2014/main" id="{F7D008E2-B609-414E-964D-C07E984BE5B7}"/>
-              </a:ext>
-            </a:extLst>
-          </p:cNvPr>
-          <p:cNvSpPr>
-            <a:spLocks noGrp="1"/>
-          </p:cNvSpPr>
-          <p:nvPr>
-            <p:ph type="body" idx="1"/>
-          </p:nvPr>
-        </p:nvSpPr>
-        <p:spPr/>
-        <p:txBody>
-          <a:bodyPr anchor="t">
-            <a:normAutofit/>
-          </a:bodyPr>
-          <a:lstStyle/>
-          <a:p>
-            <a:r>
-              <a:rPr lang="en-US" sz="1800" dirty="0"/>
-              <a:t>Coal Power Generation</a:t>
-            </a:r>
-          </a:p>
-        </p:txBody>
-      </p:sp>
-      <p:sp>
-        <p:nvSpPr>
-          <p:cNvPr id="7" name="Text Placeholder 6">
-            <a:extLst>
-              <a:ext uri="{FF2B5EF4-FFF2-40B4-BE49-F238E27FC236}">
-                <a16:creationId xmlns:a16="http://schemas.microsoft.com/office/drawing/2014/main" id="{6A1D2EC0-B35D-B346-9CB2-30D51EA6CC67}"/>
-              </a:ext>
-            </a:extLst>
-          </p:cNvPr>
-          <p:cNvSpPr>
-            <a:spLocks noGrp="1"/>
-          </p:cNvSpPr>
-          <p:nvPr>
-            <p:ph type="body" sz="quarter" idx="3"/>
-          </p:nvPr>
-        </p:nvSpPr>
-        <p:spPr/>
-        <p:txBody>
-          <a:bodyPr anchor="t">
-            <a:normAutofit/>
-          </a:bodyPr>
-          <a:lstStyle/>
-          <a:p>
-            <a:r>
-              <a:rPr lang="en-US" sz="1800" dirty="0"/>
-              <a:t>CO2 Emissions</a:t>
-            </a:r>
-          </a:p>
-        </p:txBody>
-      </p:sp>
       <p:pic>
         <p:nvPicPr>
-          <p:cNvPr id="12" name="Content Placeholder 8">
+          <p:cNvPr id="13" name="Content Placeholder 8">
             <a:hlinkClick r:id="rId3"/>
             <a:extLst>
               <a:ext uri="{FF2B5EF4-FFF2-40B4-BE49-F238E27FC236}">
-                <a16:creationId xmlns:a16="http://schemas.microsoft.com/office/drawing/2014/main" id="{A2BFA3DC-B9E4-1A45-8A1E-861CEE229BBC}"/>
+                <a16:creationId xmlns:a16="http://schemas.microsoft.com/office/drawing/2014/main" id="{9A51A4C4-D142-C04D-B376-E886D7DB4613}"/>
               </a:ext>
             </a:extLst>
           </p:cNvPr>
@@ -8705,8 +8507,8 @@
         </p:blipFill>
         <p:spPr>
           <a:xfrm>
-            <a:off x="90571" y="2743200"/>
-            <a:ext cx="5943600" cy="3432633"/>
+            <a:off x="270453" y="91440"/>
+            <a:ext cx="5486400" cy="3168583"/>
           </a:xfrm>
           <a:prstGeom prst="rect">
             <a:avLst/>
@@ -8715,11 +8517,11 @@
       </p:pic>
       <p:pic>
         <p:nvPicPr>
-          <p:cNvPr id="13" name="Content Placeholder 10">
+          <p:cNvPr id="14" name="Content Placeholder 10">
             <a:hlinkClick r:id="rId5"/>
             <a:extLst>
               <a:ext uri="{FF2B5EF4-FFF2-40B4-BE49-F238E27FC236}">
-                <a16:creationId xmlns:a16="http://schemas.microsoft.com/office/drawing/2014/main" id="{1877202C-214E-B341-97AE-5E7F61663DA0}"/>
+                <a16:creationId xmlns:a16="http://schemas.microsoft.com/office/drawing/2014/main" id="{A9F00936-0AFD-F54A-A458-A51FD6A38039}"/>
               </a:ext>
             </a:extLst>
           </p:cNvPr>
@@ -8735,20 +8537,80 @@
         </p:blipFill>
         <p:spPr>
           <a:xfrm>
-            <a:off x="5997575" y="2743200"/>
-            <a:ext cx="5943600" cy="3432633"/>
+            <a:off x="6238307" y="91440"/>
+            <a:ext cx="5486400" cy="3168583"/>
           </a:xfrm>
           <a:prstGeom prst="rect">
             <a:avLst/>
           </a:prstGeom>
         </p:spPr>
       </p:pic>
-      <p:sp>
-        <p:nvSpPr>
-          <p:cNvPr id="14" name="TextBox 13">
-            <a:extLst>
-              <a:ext uri="{FF2B5EF4-FFF2-40B4-BE49-F238E27FC236}">
-                <a16:creationId xmlns:a16="http://schemas.microsoft.com/office/drawing/2014/main" id="{217B8596-6E68-EA40-B14D-54F6F8D168E3}"/>
+      <p:pic>
+        <p:nvPicPr>
+          <p:cNvPr id="18" name="Content Placeholder 8">
+            <a:hlinkClick r:id="rId7"/>
+            <a:extLst>
+              <a:ext uri="{FF2B5EF4-FFF2-40B4-BE49-F238E27FC236}">
+                <a16:creationId xmlns:a16="http://schemas.microsoft.com/office/drawing/2014/main" id="{3875F3C3-8E28-0341-A65B-D5D91E6E365E}"/>
+              </a:ext>
+            </a:extLst>
+          </p:cNvPr>
+          <p:cNvPicPr>
+            <a:picLocks noChangeAspect="1"/>
+          </p:cNvPicPr>
+          <p:nvPr/>
+        </p:nvPicPr>
+        <p:blipFill rotWithShape="1">
+          <a:blip r:embed="rId8"/>
+          <a:srcRect t="5417" b="13900"/>
+          <a:stretch/>
+        </p:blipFill>
+        <p:spPr>
+          <a:xfrm>
+            <a:off x="270453" y="3431201"/>
+            <a:ext cx="5486400" cy="3161882"/>
+          </a:xfrm>
+          <a:prstGeom prst="rect">
+            <a:avLst/>
+          </a:prstGeom>
+        </p:spPr>
+      </p:pic>
+      <p:pic>
+        <p:nvPicPr>
+          <p:cNvPr id="21" name="Content Placeholder 10">
+            <a:hlinkClick r:id="rId9"/>
+            <a:extLst>
+              <a:ext uri="{FF2B5EF4-FFF2-40B4-BE49-F238E27FC236}">
+                <a16:creationId xmlns:a16="http://schemas.microsoft.com/office/drawing/2014/main" id="{100E5941-1280-C94C-BC7C-03975881590A}"/>
+              </a:ext>
+            </a:extLst>
+          </p:cNvPr>
+          <p:cNvPicPr>
+            <a:picLocks noChangeAspect="1"/>
+          </p:cNvPicPr>
+          <p:nvPr/>
+        </p:nvPicPr>
+        <p:blipFill rotWithShape="1">
+          <a:blip r:embed="rId10"/>
+          <a:srcRect t="5600" b="13716"/>
+          <a:stretch/>
+        </p:blipFill>
+        <p:spPr>
+          <a:xfrm>
+            <a:off x="6238307" y="3431202"/>
+            <a:ext cx="5486400" cy="3161881"/>
+          </a:xfrm>
+          <a:prstGeom prst="rect">
+            <a:avLst/>
+          </a:prstGeom>
+        </p:spPr>
+      </p:pic>
+      <p:sp>
+        <p:nvSpPr>
+          <p:cNvPr id="22" name="TextBox 21">
+            <a:extLst>
+              <a:ext uri="{FF2B5EF4-FFF2-40B4-BE49-F238E27FC236}">
+                <a16:creationId xmlns:a16="http://schemas.microsoft.com/office/drawing/2014/main" id="{9E8F06A2-1878-7140-8BAD-BAD74DC7B3AB}"/>
               </a:ext>
             </a:extLst>
           </p:cNvPr>
@@ -8788,7 +8650,7 @@
     </p:spTree>
     <p:extLst>
       <p:ext uri="{BB962C8B-B14F-4D97-AF65-F5344CB8AC3E}">
-        <p14:creationId xmlns:p14="http://schemas.microsoft.com/office/powerpoint/2010/main" val="1308437056"/>
+        <p14:creationId xmlns:p14="http://schemas.microsoft.com/office/powerpoint/2010/main" val="1447236585"/>
       </p:ext>
     </p:extLst>
   </p:cSld>
@@ -8840,7 +8702,7 @@
           <a:p>
             <a:r>
               <a:rPr lang="en-US" sz="2400" dirty="0"/>
-              <a:t>Coal Power Generation vs Median Household Income</a:t>
+              <a:t>Chronic Respiratory Disease Mortality Rate vs Median Household Income</a:t>
             </a:r>
             <a:br>
               <a:rPr lang="en-US" sz="2400" dirty="0"/>
@@ -8877,7 +8739,7 @@
           <a:p>
             <a:r>
               <a:rPr lang="en-US" sz="1800" dirty="0"/>
-              <a:t>Coal Power Generation</a:t>
+              <a:t>Chronic Respiratory Disease Mortality Rate</a:t>
             </a:r>
           </a:p>
         </p:txBody>
@@ -8918,7 +8780,7 @@
             <a:hlinkClick r:id="rId3"/>
             <a:extLst>
               <a:ext uri="{FF2B5EF4-FFF2-40B4-BE49-F238E27FC236}">
-                <a16:creationId xmlns:a16="http://schemas.microsoft.com/office/drawing/2014/main" id="{2F0D60F6-FB68-CF41-83A5-58C7DF45C51D}"/>
+                <a16:creationId xmlns:a16="http://schemas.microsoft.com/office/drawing/2014/main" id="{3773D5DE-5CA9-6E43-AA34-36D34ADF00E3}"/>
               </a:ext>
             </a:extLst>
           </p:cNvPr>
@@ -8948,7 +8810,7 @@
             <a:hlinkClick r:id="rId5"/>
             <a:extLst>
               <a:ext uri="{FF2B5EF4-FFF2-40B4-BE49-F238E27FC236}">
-                <a16:creationId xmlns:a16="http://schemas.microsoft.com/office/drawing/2014/main" id="{0D1B8E88-89A8-A04B-94B1-AF4E8C680013}"/>
+                <a16:creationId xmlns:a16="http://schemas.microsoft.com/office/drawing/2014/main" id="{7ACB7FC7-F449-E049-AC36-E8F83370DE83}"/>
               </a:ext>
             </a:extLst>
           </p:cNvPr>
@@ -8977,7 +8839,7 @@
           <p:cNvPr id="9" name="TextBox 8">
             <a:extLst>
               <a:ext uri="{FF2B5EF4-FFF2-40B4-BE49-F238E27FC236}">
-                <a16:creationId xmlns:a16="http://schemas.microsoft.com/office/drawing/2014/main" id="{DEA67119-5499-854D-8C0A-EE5DA442DC65}"/>
+                <a16:creationId xmlns:a16="http://schemas.microsoft.com/office/drawing/2014/main" id="{7A7BCF1D-3B63-0043-BDF3-2FEA00B3184E}"/>
               </a:ext>
             </a:extLst>
           </p:cNvPr>
@@ -9017,7 +8879,7 @@
     </p:spTree>
     <p:extLst>
       <p:ext uri="{BB962C8B-B14F-4D97-AF65-F5344CB8AC3E}">
-        <p14:creationId xmlns:p14="http://schemas.microsoft.com/office/powerpoint/2010/main" val="2837663488"/>
+        <p14:creationId xmlns:p14="http://schemas.microsoft.com/office/powerpoint/2010/main" val="1574441497"/>
       </p:ext>
     </p:extLst>
   </p:cSld>
@@ -9069,7 +8931,7 @@
           <a:p>
             <a:r>
               <a:rPr lang="en-US" sz="2400" dirty="0"/>
-              <a:t>Natural Gas Power Generation vs Median Household Income</a:t>
+              <a:t>Coal Power Generation vs Median Household Income</a:t>
             </a:r>
             <a:br>
               <a:rPr lang="en-US" sz="2400" dirty="0"/>
@@ -9106,7 +8968,7 @@
           <a:p>
             <a:r>
               <a:rPr lang="en-US" sz="1800" dirty="0"/>
-              <a:t>Natural Gas Power Generation</a:t>
+              <a:t>Coal Power Generation</a:t>
             </a:r>
           </a:p>
         </p:txBody>
@@ -9147,7 +9009,7 @@
             <a:hlinkClick r:id="rId3"/>
             <a:extLst>
               <a:ext uri="{FF2B5EF4-FFF2-40B4-BE49-F238E27FC236}">
-                <a16:creationId xmlns:a16="http://schemas.microsoft.com/office/drawing/2014/main" id="{38C8CA4D-CDA7-AD47-98E2-38CE7D470FCC}"/>
+                <a16:creationId xmlns:a16="http://schemas.microsoft.com/office/drawing/2014/main" id="{2F0D60F6-FB68-CF41-83A5-58C7DF45C51D}"/>
               </a:ext>
             </a:extLst>
           </p:cNvPr>
@@ -9158,6 +9020,36 @@
         </p:nvPicPr>
         <p:blipFill rotWithShape="1">
           <a:blip r:embed="rId4"/>
+          <a:srcRect t="5513" b="13804"/>
+          <a:stretch/>
+        </p:blipFill>
+        <p:spPr>
+          <a:xfrm>
+            <a:off x="91440" y="2743200"/>
+            <a:ext cx="5943600" cy="3425372"/>
+          </a:xfrm>
+          <a:prstGeom prst="rect">
+            <a:avLst/>
+          </a:prstGeom>
+        </p:spPr>
+      </p:pic>
+      <p:pic>
+        <p:nvPicPr>
+          <p:cNvPr id="8" name="Picture 7">
+            <a:hlinkClick r:id="rId5"/>
+            <a:extLst>
+              <a:ext uri="{FF2B5EF4-FFF2-40B4-BE49-F238E27FC236}">
+                <a16:creationId xmlns:a16="http://schemas.microsoft.com/office/drawing/2014/main" id="{0D1B8E88-89A8-A04B-94B1-AF4E8C680013}"/>
+              </a:ext>
+            </a:extLst>
+          </p:cNvPr>
+          <p:cNvPicPr>
+            <a:picLocks noChangeAspect="1"/>
+          </p:cNvPicPr>
+          <p:nvPr/>
+        </p:nvPicPr>
+        <p:blipFill rotWithShape="1">
+          <a:blip r:embed="rId6"/>
           <a:srcRect t="5513" b="13804"/>
           <a:stretch/>
         </p:blipFill>
@@ -9171,42 +9063,12 @@
           </a:prstGeom>
         </p:spPr>
       </p:pic>
-      <p:pic>
-        <p:nvPicPr>
-          <p:cNvPr id="8" name="Picture 7">
-            <a:hlinkClick r:id="rId5"/>
-            <a:extLst>
-              <a:ext uri="{FF2B5EF4-FFF2-40B4-BE49-F238E27FC236}">
-                <a16:creationId xmlns:a16="http://schemas.microsoft.com/office/drawing/2014/main" id="{D1BF2865-2BA3-8B4F-924C-B41C17E485A0}"/>
-              </a:ext>
-            </a:extLst>
-          </p:cNvPr>
-          <p:cNvPicPr>
-            <a:picLocks noChangeAspect="1"/>
-          </p:cNvPicPr>
-          <p:nvPr/>
-        </p:nvPicPr>
-        <p:blipFill rotWithShape="1">
-          <a:blip r:embed="rId6"/>
-          <a:srcRect t="5513" b="13804"/>
-          <a:stretch/>
-        </p:blipFill>
-        <p:spPr>
-          <a:xfrm>
-            <a:off x="91440" y="2743200"/>
-            <a:ext cx="5943600" cy="3425372"/>
-          </a:xfrm>
-          <a:prstGeom prst="rect">
-            <a:avLst/>
-          </a:prstGeom>
-        </p:spPr>
-      </p:pic>
       <p:sp>
         <p:nvSpPr>
           <p:cNvPr id="9" name="TextBox 8">
             <a:extLst>
               <a:ext uri="{FF2B5EF4-FFF2-40B4-BE49-F238E27FC236}">
-                <a16:creationId xmlns:a16="http://schemas.microsoft.com/office/drawing/2014/main" id="{1EDCB0B5-2CD0-174D-A875-2475D86A9328}"/>
+                <a16:creationId xmlns:a16="http://schemas.microsoft.com/office/drawing/2014/main" id="{DEA67119-5499-854D-8C0A-EE5DA442DC65}"/>
               </a:ext>
             </a:extLst>
           </p:cNvPr>
@@ -9246,7 +9108,7 @@
     </p:spTree>
     <p:extLst>
       <p:ext uri="{BB962C8B-B14F-4D97-AF65-F5344CB8AC3E}">
-        <p14:creationId xmlns:p14="http://schemas.microsoft.com/office/powerpoint/2010/main" val="3046404060"/>
+        <p14:creationId xmlns:p14="http://schemas.microsoft.com/office/powerpoint/2010/main" val="2837663488"/>
       </p:ext>
     </p:extLst>
   </p:cSld>
@@ -9273,13 +9135,110 @@
           <a:chExt cx="0" cy="0"/>
         </a:xfrm>
       </p:grpSpPr>
+      <p:sp>
+        <p:nvSpPr>
+          <p:cNvPr id="4" name="Title 3">
+            <a:extLst>
+              <a:ext uri="{FF2B5EF4-FFF2-40B4-BE49-F238E27FC236}">
+                <a16:creationId xmlns:a16="http://schemas.microsoft.com/office/drawing/2014/main" id="{392B4D61-C0B8-1F4C-9B1C-F14AC21E8A3E}"/>
+              </a:ext>
+            </a:extLst>
+          </p:cNvPr>
+          <p:cNvSpPr>
+            <a:spLocks noGrp="1"/>
+          </p:cNvSpPr>
+          <p:nvPr>
+            <p:ph type="title"/>
+          </p:nvPr>
+        </p:nvSpPr>
+        <p:spPr/>
+        <p:txBody>
+          <a:bodyPr anchor="t">
+            <a:normAutofit/>
+          </a:bodyPr>
+          <a:lstStyle/>
+          <a:p>
+            <a:r>
+              <a:rPr lang="en-US" sz="2400" dirty="0"/>
+              <a:t>Natural Gas Power Generation vs Median Household Income</a:t>
+            </a:r>
+            <a:br>
+              <a:rPr lang="en-US" sz="2400" dirty="0"/>
+            </a:br>
+            <a:r>
+              <a:rPr lang="en-US" sz="2400" dirty="0"/>
+              <a:t>Year 2010</a:t>
+            </a:r>
+          </a:p>
+        </p:txBody>
+      </p:sp>
+      <p:sp>
+        <p:nvSpPr>
+          <p:cNvPr id="5" name="Text Placeholder 4">
+            <a:extLst>
+              <a:ext uri="{FF2B5EF4-FFF2-40B4-BE49-F238E27FC236}">
+                <a16:creationId xmlns:a16="http://schemas.microsoft.com/office/drawing/2014/main" id="{F7D008E2-B609-414E-964D-C07E984BE5B7}"/>
+              </a:ext>
+            </a:extLst>
+          </p:cNvPr>
+          <p:cNvSpPr>
+            <a:spLocks noGrp="1"/>
+          </p:cNvSpPr>
+          <p:nvPr>
+            <p:ph type="body" idx="1"/>
+          </p:nvPr>
+        </p:nvSpPr>
+        <p:spPr/>
+        <p:txBody>
+          <a:bodyPr anchor="t">
+            <a:normAutofit/>
+          </a:bodyPr>
+          <a:lstStyle/>
+          <a:p>
+            <a:r>
+              <a:rPr lang="en-US" sz="1800" dirty="0"/>
+              <a:t>Natural Gas Power Generation</a:t>
+            </a:r>
+          </a:p>
+        </p:txBody>
+      </p:sp>
+      <p:sp>
+        <p:nvSpPr>
+          <p:cNvPr id="7" name="Text Placeholder 6">
+            <a:extLst>
+              <a:ext uri="{FF2B5EF4-FFF2-40B4-BE49-F238E27FC236}">
+                <a16:creationId xmlns:a16="http://schemas.microsoft.com/office/drawing/2014/main" id="{6A1D2EC0-B35D-B346-9CB2-30D51EA6CC67}"/>
+              </a:ext>
+            </a:extLst>
+          </p:cNvPr>
+          <p:cNvSpPr>
+            <a:spLocks noGrp="1"/>
+          </p:cNvSpPr>
+          <p:nvPr>
+            <p:ph type="body" sz="quarter" idx="3"/>
+          </p:nvPr>
+        </p:nvSpPr>
+        <p:spPr/>
+        <p:txBody>
+          <a:bodyPr anchor="t">
+            <a:normAutofit/>
+          </a:bodyPr>
+          <a:lstStyle/>
+          <a:p>
+            <a:r>
+              <a:rPr lang="en-US" sz="1800" dirty="0"/>
+              <a:t>Median Household Income</a:t>
+            </a:r>
+          </a:p>
+        </p:txBody>
+      </p:sp>
       <p:pic>
         <p:nvPicPr>
-          <p:cNvPr id="4" name="Picture 3">
+          <p:cNvPr id="6" name="Picture 5">
             <a:hlinkClick r:id="rId3"/>
             <a:extLst>
               <a:ext uri="{FF2B5EF4-FFF2-40B4-BE49-F238E27FC236}">
-                <a16:creationId xmlns:a16="http://schemas.microsoft.com/office/drawing/2014/main" id="{10460EFB-9FF0-2541-845D-4E5702E41864}"/>
+                <a16:creationId xmlns:a16="http://schemas.microsoft.com/office/drawing/2014/main" id="{38C8CA4D-CDA7-AD47-98E2-38CE7D470FCC}"/>
               </a:ext>
             </a:extLst>
           </p:cNvPr>
@@ -9295,8 +9254,8 @@
         </p:blipFill>
         <p:spPr>
           <a:xfrm>
-            <a:off x="274320" y="91440"/>
-            <a:ext cx="5486400" cy="3161882"/>
+            <a:off x="5998464" y="2743200"/>
+            <a:ext cx="5943600" cy="3425372"/>
           </a:xfrm>
           <a:prstGeom prst="rect">
             <a:avLst/>
@@ -9309,7 +9268,7 @@
             <a:hlinkClick r:id="rId5"/>
             <a:extLst>
               <a:ext uri="{FF2B5EF4-FFF2-40B4-BE49-F238E27FC236}">
-                <a16:creationId xmlns:a16="http://schemas.microsoft.com/office/drawing/2014/main" id="{E1A76EB3-C1F6-8E47-A46F-1A0CE3E29111}"/>
+                <a16:creationId xmlns:a16="http://schemas.microsoft.com/office/drawing/2014/main" id="{D1BF2865-2BA3-8B4F-924C-B41C17E485A0}"/>
               </a:ext>
             </a:extLst>
           </p:cNvPr>
@@ -9325,80 +9284,20 @@
         </p:blipFill>
         <p:spPr>
           <a:xfrm>
-            <a:off x="6236208" y="91440"/>
-            <a:ext cx="5486400" cy="3161882"/>
+            <a:off x="91440" y="2743200"/>
+            <a:ext cx="5943600" cy="3425372"/>
           </a:xfrm>
           <a:prstGeom prst="rect">
             <a:avLst/>
           </a:prstGeom>
         </p:spPr>
       </p:pic>
-      <p:pic>
-        <p:nvPicPr>
-          <p:cNvPr id="11" name="Picture 10">
-            <a:hlinkClick r:id="rId7"/>
-            <a:extLst>
-              <a:ext uri="{FF2B5EF4-FFF2-40B4-BE49-F238E27FC236}">
-                <a16:creationId xmlns:a16="http://schemas.microsoft.com/office/drawing/2014/main" id="{63ABA586-1229-6145-8FA5-D055F1FA36D9}"/>
-              </a:ext>
-            </a:extLst>
-          </p:cNvPr>
-          <p:cNvPicPr>
-            <a:picLocks noChangeAspect="1"/>
-          </p:cNvPicPr>
-          <p:nvPr/>
-        </p:nvPicPr>
-        <p:blipFill rotWithShape="1">
-          <a:blip r:embed="rId8"/>
-          <a:srcRect t="5513" b="13804"/>
-          <a:stretch/>
-        </p:blipFill>
-        <p:spPr>
-          <a:xfrm>
-            <a:off x="274320" y="3429000"/>
-            <a:ext cx="5486400" cy="3161882"/>
-          </a:xfrm>
-          <a:prstGeom prst="rect">
-            <a:avLst/>
-          </a:prstGeom>
-        </p:spPr>
-      </p:pic>
-      <p:pic>
-        <p:nvPicPr>
-          <p:cNvPr id="15" name="Picture 14">
-            <a:hlinkClick r:id="rId9"/>
-            <a:extLst>
-              <a:ext uri="{FF2B5EF4-FFF2-40B4-BE49-F238E27FC236}">
-                <a16:creationId xmlns:a16="http://schemas.microsoft.com/office/drawing/2014/main" id="{A34AE74A-5630-904C-94E3-FDB0F8726A84}"/>
-              </a:ext>
-            </a:extLst>
-          </p:cNvPr>
-          <p:cNvPicPr>
-            <a:picLocks noChangeAspect="1"/>
-          </p:cNvPicPr>
-          <p:nvPr/>
-        </p:nvPicPr>
-        <p:blipFill rotWithShape="1">
-          <a:blip r:embed="rId10"/>
-          <a:srcRect t="5513" b="13804"/>
-          <a:stretch/>
-        </p:blipFill>
-        <p:spPr>
-          <a:xfrm>
-            <a:off x="6236208" y="3429000"/>
-            <a:ext cx="5486400" cy="3161882"/>
-          </a:xfrm>
-          <a:prstGeom prst="rect">
-            <a:avLst/>
-          </a:prstGeom>
-        </p:spPr>
-      </p:pic>
-      <p:sp>
-        <p:nvSpPr>
-          <p:cNvPr id="16" name="TextBox 15">
-            <a:extLst>
-              <a:ext uri="{FF2B5EF4-FFF2-40B4-BE49-F238E27FC236}">
-                <a16:creationId xmlns:a16="http://schemas.microsoft.com/office/drawing/2014/main" id="{403A49C3-7AB2-104E-8550-07D787957F33}"/>
+      <p:sp>
+        <p:nvSpPr>
+          <p:cNvPr id="9" name="TextBox 8">
+            <a:extLst>
+              <a:ext uri="{FF2B5EF4-FFF2-40B4-BE49-F238E27FC236}">
+                <a16:creationId xmlns:a16="http://schemas.microsoft.com/office/drawing/2014/main" id="{1EDCB0B5-2CD0-174D-A875-2475D86A9328}"/>
               </a:ext>
             </a:extLst>
           </p:cNvPr>
@@ -9438,7 +9337,7 @@
     </p:spTree>
     <p:extLst>
       <p:ext uri="{BB962C8B-B14F-4D97-AF65-F5344CB8AC3E}">
-        <p14:creationId xmlns:p14="http://schemas.microsoft.com/office/powerpoint/2010/main" val="1995362390"/>
+        <p14:creationId xmlns:p14="http://schemas.microsoft.com/office/powerpoint/2010/main" val="3046404060"/>
       </p:ext>
     </p:extLst>
   </p:cSld>
@@ -9465,110 +9364,13 @@
           <a:chExt cx="0" cy="0"/>
         </a:xfrm>
       </p:grpSpPr>
-      <p:sp>
-        <p:nvSpPr>
-          <p:cNvPr id="4" name="Title 3">
-            <a:extLst>
-              <a:ext uri="{FF2B5EF4-FFF2-40B4-BE49-F238E27FC236}">
-                <a16:creationId xmlns:a16="http://schemas.microsoft.com/office/drawing/2014/main" id="{392B4D61-C0B8-1F4C-9B1C-F14AC21E8A3E}"/>
-              </a:ext>
-            </a:extLst>
-          </p:cNvPr>
-          <p:cNvSpPr>
-            <a:spLocks noGrp="1"/>
-          </p:cNvSpPr>
-          <p:nvPr>
-            <p:ph type="title"/>
-          </p:nvPr>
-        </p:nvSpPr>
-        <p:spPr/>
-        <p:txBody>
-          <a:bodyPr anchor="t">
-            <a:normAutofit/>
-          </a:bodyPr>
-          <a:lstStyle/>
-          <a:p>
-            <a:r>
-              <a:rPr lang="en-US" sz="2400" dirty="0"/>
-              <a:t>Coal Power Generation vs CO2 Emissions</a:t>
-            </a:r>
-            <a:br>
-              <a:rPr lang="en-US" sz="2400" dirty="0"/>
-            </a:br>
-            <a:r>
-              <a:rPr lang="en-US" sz="2400" dirty="0"/>
-              <a:t>Year 2014</a:t>
-            </a:r>
-          </a:p>
-        </p:txBody>
-      </p:sp>
-      <p:sp>
-        <p:nvSpPr>
-          <p:cNvPr id="5" name="Text Placeholder 4">
-            <a:extLst>
-              <a:ext uri="{FF2B5EF4-FFF2-40B4-BE49-F238E27FC236}">
-                <a16:creationId xmlns:a16="http://schemas.microsoft.com/office/drawing/2014/main" id="{F7D008E2-B609-414E-964D-C07E984BE5B7}"/>
-              </a:ext>
-            </a:extLst>
-          </p:cNvPr>
-          <p:cNvSpPr>
-            <a:spLocks noGrp="1"/>
-          </p:cNvSpPr>
-          <p:nvPr>
-            <p:ph type="body" idx="1"/>
-          </p:nvPr>
-        </p:nvSpPr>
-        <p:spPr/>
-        <p:txBody>
-          <a:bodyPr anchor="t">
-            <a:normAutofit/>
-          </a:bodyPr>
-          <a:lstStyle/>
-          <a:p>
-            <a:r>
-              <a:rPr lang="en-US" sz="1800" dirty="0"/>
-              <a:t>Coal Power Generation</a:t>
-            </a:r>
-          </a:p>
-        </p:txBody>
-      </p:sp>
-      <p:sp>
-        <p:nvSpPr>
-          <p:cNvPr id="7" name="Text Placeholder 6">
-            <a:extLst>
-              <a:ext uri="{FF2B5EF4-FFF2-40B4-BE49-F238E27FC236}">
-                <a16:creationId xmlns:a16="http://schemas.microsoft.com/office/drawing/2014/main" id="{6A1D2EC0-B35D-B346-9CB2-30D51EA6CC67}"/>
-              </a:ext>
-            </a:extLst>
-          </p:cNvPr>
-          <p:cNvSpPr>
-            <a:spLocks noGrp="1"/>
-          </p:cNvSpPr>
-          <p:nvPr>
-            <p:ph type="body" sz="quarter" idx="3"/>
-          </p:nvPr>
-        </p:nvSpPr>
-        <p:spPr/>
-        <p:txBody>
-          <a:bodyPr anchor="t">
-            <a:normAutofit/>
-          </a:bodyPr>
-          <a:lstStyle/>
-          <a:p>
-            <a:r>
-              <a:rPr lang="en-US" sz="1800" dirty="0"/>
-              <a:t>CO2 Emissions</a:t>
-            </a:r>
-          </a:p>
-        </p:txBody>
-      </p:sp>
       <p:pic>
         <p:nvPicPr>
-          <p:cNvPr id="6" name="Picture 5">
+          <p:cNvPr id="4" name="Picture 3">
             <a:hlinkClick r:id="rId3"/>
             <a:extLst>
               <a:ext uri="{FF2B5EF4-FFF2-40B4-BE49-F238E27FC236}">
-                <a16:creationId xmlns:a16="http://schemas.microsoft.com/office/drawing/2014/main" id="{DA7EBDB0-16E9-1646-AB53-88C717210B6A}"/>
+                <a16:creationId xmlns:a16="http://schemas.microsoft.com/office/drawing/2014/main" id="{10460EFB-9FF0-2541-845D-4E5702E41864}"/>
               </a:ext>
             </a:extLst>
           </p:cNvPr>
@@ -9584,8 +9386,8 @@
         </p:blipFill>
         <p:spPr>
           <a:xfrm>
-            <a:off x="91440" y="2743200"/>
-            <a:ext cx="5943600" cy="3425372"/>
+            <a:off x="274320" y="91440"/>
+            <a:ext cx="5486400" cy="3161882"/>
           </a:xfrm>
           <a:prstGeom prst="rect">
             <a:avLst/>
@@ -9598,7 +9400,7 @@
             <a:hlinkClick r:id="rId5"/>
             <a:extLst>
               <a:ext uri="{FF2B5EF4-FFF2-40B4-BE49-F238E27FC236}">
-                <a16:creationId xmlns:a16="http://schemas.microsoft.com/office/drawing/2014/main" id="{A87C96CF-A824-6144-9B8B-156276C07E65}"/>
+                <a16:creationId xmlns:a16="http://schemas.microsoft.com/office/drawing/2014/main" id="{E1A76EB3-C1F6-8E47-A46F-1A0CE3E29111}"/>
               </a:ext>
             </a:extLst>
           </p:cNvPr>
@@ -9614,20 +9416,80 @@
         </p:blipFill>
         <p:spPr>
           <a:xfrm>
-            <a:off x="5998464" y="2743200"/>
-            <a:ext cx="5943600" cy="3425372"/>
+            <a:off x="6236208" y="91440"/>
+            <a:ext cx="5486400" cy="3161882"/>
           </a:xfrm>
           <a:prstGeom prst="rect">
             <a:avLst/>
           </a:prstGeom>
         </p:spPr>
       </p:pic>
-      <p:sp>
-        <p:nvSpPr>
-          <p:cNvPr id="9" name="TextBox 8">
-            <a:extLst>
-              <a:ext uri="{FF2B5EF4-FFF2-40B4-BE49-F238E27FC236}">
-                <a16:creationId xmlns:a16="http://schemas.microsoft.com/office/drawing/2014/main" id="{BDDEDEAE-A9ED-0643-8459-81A4D9384567}"/>
+      <p:pic>
+        <p:nvPicPr>
+          <p:cNvPr id="11" name="Picture 10">
+            <a:hlinkClick r:id="rId7"/>
+            <a:extLst>
+              <a:ext uri="{FF2B5EF4-FFF2-40B4-BE49-F238E27FC236}">
+                <a16:creationId xmlns:a16="http://schemas.microsoft.com/office/drawing/2014/main" id="{63ABA586-1229-6145-8FA5-D055F1FA36D9}"/>
+              </a:ext>
+            </a:extLst>
+          </p:cNvPr>
+          <p:cNvPicPr>
+            <a:picLocks noChangeAspect="1"/>
+          </p:cNvPicPr>
+          <p:nvPr/>
+        </p:nvPicPr>
+        <p:blipFill rotWithShape="1">
+          <a:blip r:embed="rId8"/>
+          <a:srcRect t="5513" b="13804"/>
+          <a:stretch/>
+        </p:blipFill>
+        <p:spPr>
+          <a:xfrm>
+            <a:off x="274320" y="3429000"/>
+            <a:ext cx="5486400" cy="3161882"/>
+          </a:xfrm>
+          <a:prstGeom prst="rect">
+            <a:avLst/>
+          </a:prstGeom>
+        </p:spPr>
+      </p:pic>
+      <p:pic>
+        <p:nvPicPr>
+          <p:cNvPr id="15" name="Picture 14">
+            <a:hlinkClick r:id="rId9"/>
+            <a:extLst>
+              <a:ext uri="{FF2B5EF4-FFF2-40B4-BE49-F238E27FC236}">
+                <a16:creationId xmlns:a16="http://schemas.microsoft.com/office/drawing/2014/main" id="{A34AE74A-5630-904C-94E3-FDB0F8726A84}"/>
+              </a:ext>
+            </a:extLst>
+          </p:cNvPr>
+          <p:cNvPicPr>
+            <a:picLocks noChangeAspect="1"/>
+          </p:cNvPicPr>
+          <p:nvPr/>
+        </p:nvPicPr>
+        <p:blipFill rotWithShape="1">
+          <a:blip r:embed="rId10"/>
+          <a:srcRect t="5513" b="13804"/>
+          <a:stretch/>
+        </p:blipFill>
+        <p:spPr>
+          <a:xfrm>
+            <a:off x="6236208" y="3429000"/>
+            <a:ext cx="5486400" cy="3161882"/>
+          </a:xfrm>
+          <a:prstGeom prst="rect">
+            <a:avLst/>
+          </a:prstGeom>
+        </p:spPr>
+      </p:pic>
+      <p:sp>
+        <p:nvSpPr>
+          <p:cNvPr id="16" name="TextBox 15">
+            <a:extLst>
+              <a:ext uri="{FF2B5EF4-FFF2-40B4-BE49-F238E27FC236}">
+                <a16:creationId xmlns:a16="http://schemas.microsoft.com/office/drawing/2014/main" id="{403A49C3-7AB2-104E-8550-07D787957F33}"/>
               </a:ext>
             </a:extLst>
           </p:cNvPr>
@@ -9667,7 +9529,7 @@
     </p:spTree>
     <p:extLst>
       <p:ext uri="{BB962C8B-B14F-4D97-AF65-F5344CB8AC3E}">
-        <p14:creationId xmlns:p14="http://schemas.microsoft.com/office/powerpoint/2010/main" val="219497771"/>
+        <p14:creationId xmlns:p14="http://schemas.microsoft.com/office/powerpoint/2010/main" val="1995362390"/>
       </p:ext>
     </p:extLst>
   </p:cSld>
@@ -9719,7 +9581,7 @@
           <a:p>
             <a:r>
               <a:rPr lang="en-US" sz="2400" dirty="0"/>
-              <a:t>Natural Gas Power Generation vs CO2 Emissions</a:t>
+              <a:t>Coal Power Generation vs CO2 Emissions</a:t>
             </a:r>
             <a:br>
               <a:rPr lang="en-US" sz="2400" dirty="0"/>
@@ -9756,7 +9618,7 @@
           <a:p>
             <a:r>
               <a:rPr lang="en-US" sz="1800" dirty="0"/>
-              <a:t>Natural Gas Power Generation</a:t>
+              <a:t>Coal Power Generation</a:t>
             </a:r>
           </a:p>
         </p:txBody>
@@ -9797,7 +9659,7 @@
             <a:hlinkClick r:id="rId3"/>
             <a:extLst>
               <a:ext uri="{FF2B5EF4-FFF2-40B4-BE49-F238E27FC236}">
-                <a16:creationId xmlns:a16="http://schemas.microsoft.com/office/drawing/2014/main" id="{1D46C49F-8E6A-EC41-B114-43E3B7D8C3F5}"/>
+                <a16:creationId xmlns:a16="http://schemas.microsoft.com/office/drawing/2014/main" id="{DA7EBDB0-16E9-1646-AB53-88C717210B6A}"/>
               </a:ext>
             </a:extLst>
           </p:cNvPr>
@@ -9808,6 +9670,36 @@
         </p:nvPicPr>
         <p:blipFill rotWithShape="1">
           <a:blip r:embed="rId4"/>
+          <a:srcRect t="5513" b="13804"/>
+          <a:stretch/>
+        </p:blipFill>
+        <p:spPr>
+          <a:xfrm>
+            <a:off x="91440" y="2743200"/>
+            <a:ext cx="5943600" cy="3425372"/>
+          </a:xfrm>
+          <a:prstGeom prst="rect">
+            <a:avLst/>
+          </a:prstGeom>
+        </p:spPr>
+      </p:pic>
+      <p:pic>
+        <p:nvPicPr>
+          <p:cNvPr id="8" name="Picture 7">
+            <a:hlinkClick r:id="rId5"/>
+            <a:extLst>
+              <a:ext uri="{FF2B5EF4-FFF2-40B4-BE49-F238E27FC236}">
+                <a16:creationId xmlns:a16="http://schemas.microsoft.com/office/drawing/2014/main" id="{A87C96CF-A824-6144-9B8B-156276C07E65}"/>
+              </a:ext>
+            </a:extLst>
+          </p:cNvPr>
+          <p:cNvPicPr>
+            <a:picLocks noChangeAspect="1"/>
+          </p:cNvPicPr>
+          <p:nvPr/>
+        </p:nvPicPr>
+        <p:blipFill rotWithShape="1">
+          <a:blip r:embed="rId6"/>
           <a:srcRect t="5513" b="13804"/>
           <a:stretch/>
         </p:blipFill>
@@ -9821,42 +9713,12 @@
           </a:prstGeom>
         </p:spPr>
       </p:pic>
-      <p:pic>
-        <p:nvPicPr>
-          <p:cNvPr id="3" name="Picture 2">
-            <a:hlinkClick r:id="rId5"/>
-            <a:extLst>
-              <a:ext uri="{FF2B5EF4-FFF2-40B4-BE49-F238E27FC236}">
-                <a16:creationId xmlns:a16="http://schemas.microsoft.com/office/drawing/2014/main" id="{6EDF1880-D7CF-7444-A98D-B069DE29001A}"/>
-              </a:ext>
-            </a:extLst>
-          </p:cNvPr>
-          <p:cNvPicPr>
-            <a:picLocks noChangeAspect="1"/>
-          </p:cNvPicPr>
-          <p:nvPr/>
-        </p:nvPicPr>
-        <p:blipFill rotWithShape="1">
-          <a:blip r:embed="rId6"/>
-          <a:srcRect t="5513" b="13804"/>
-          <a:stretch/>
-        </p:blipFill>
-        <p:spPr>
-          <a:xfrm>
-            <a:off x="91440" y="2743200"/>
-            <a:ext cx="5943600" cy="3425372"/>
-          </a:xfrm>
-          <a:prstGeom prst="rect">
-            <a:avLst/>
-          </a:prstGeom>
-        </p:spPr>
-      </p:pic>
-      <p:sp>
-        <p:nvSpPr>
-          <p:cNvPr id="8" name="TextBox 7">
-            <a:extLst>
-              <a:ext uri="{FF2B5EF4-FFF2-40B4-BE49-F238E27FC236}">
-                <a16:creationId xmlns:a16="http://schemas.microsoft.com/office/drawing/2014/main" id="{5971C096-9117-4F4C-ADB9-83D0A583BE76}"/>
+      <p:sp>
+        <p:nvSpPr>
+          <p:cNvPr id="9" name="TextBox 8">
+            <a:extLst>
+              <a:ext uri="{FF2B5EF4-FFF2-40B4-BE49-F238E27FC236}">
+                <a16:creationId xmlns:a16="http://schemas.microsoft.com/office/drawing/2014/main" id="{BDDEDEAE-A9ED-0643-8459-81A4D9384567}"/>
               </a:ext>
             </a:extLst>
           </p:cNvPr>
@@ -9896,7 +9758,7 @@
     </p:spTree>
     <p:extLst>
       <p:ext uri="{BB962C8B-B14F-4D97-AF65-F5344CB8AC3E}">
-        <p14:creationId xmlns:p14="http://schemas.microsoft.com/office/powerpoint/2010/main" val="122474746"/>
+        <p14:creationId xmlns:p14="http://schemas.microsoft.com/office/powerpoint/2010/main" val="219497771"/>
       </p:ext>
     </p:extLst>
   </p:cSld>
@@ -9948,7 +9810,7 @@
           <a:p>
             <a:r>
               <a:rPr lang="en-US" sz="2400" dirty="0"/>
-              <a:t>Chronic Respiratory Disease Mortality Rate vs CO2 Emissions</a:t>
+              <a:t>Natural Gas Power Generation vs CO2 Emissions</a:t>
             </a:r>
             <a:br>
               <a:rPr lang="en-US" sz="2400" dirty="0"/>
@@ -9985,7 +9847,7 @@
           <a:p>
             <a:r>
               <a:rPr lang="en-US" sz="1800" dirty="0"/>
-              <a:t>Chronic Respiratory Disease Mortality Rate</a:t>
+              <a:t>Natural Gas Power Generation</a:t>
             </a:r>
           </a:p>
         </p:txBody>
@@ -10026,7 +9888,7 @@
             <a:hlinkClick r:id="rId3"/>
             <a:extLst>
               <a:ext uri="{FF2B5EF4-FFF2-40B4-BE49-F238E27FC236}">
-                <a16:creationId xmlns:a16="http://schemas.microsoft.com/office/drawing/2014/main" id="{0F548BD2-B669-9149-A126-7E93F89D3F8E}"/>
+                <a16:creationId xmlns:a16="http://schemas.microsoft.com/office/drawing/2014/main" id="{1D46C49F-8E6A-EC41-B114-43E3B7D8C3F5}"/>
               </a:ext>
             </a:extLst>
           </p:cNvPr>
@@ -10052,11 +9914,11 @@
       </p:pic>
       <p:pic>
         <p:nvPicPr>
-          <p:cNvPr id="8" name="Picture 7">
+          <p:cNvPr id="3" name="Picture 2">
             <a:hlinkClick r:id="rId5"/>
             <a:extLst>
               <a:ext uri="{FF2B5EF4-FFF2-40B4-BE49-F238E27FC236}">
-                <a16:creationId xmlns:a16="http://schemas.microsoft.com/office/drawing/2014/main" id="{6EF001D2-05C4-8448-BC95-4AF70BFB3983}"/>
+                <a16:creationId xmlns:a16="http://schemas.microsoft.com/office/drawing/2014/main" id="{6EDF1880-D7CF-7444-A98D-B069DE29001A}"/>
               </a:ext>
             </a:extLst>
           </p:cNvPr>
@@ -10082,10 +9944,10 @@
       </p:pic>
       <p:sp>
         <p:nvSpPr>
-          <p:cNvPr id="9" name="TextBox 8">
-            <a:extLst>
-              <a:ext uri="{FF2B5EF4-FFF2-40B4-BE49-F238E27FC236}">
-                <a16:creationId xmlns:a16="http://schemas.microsoft.com/office/drawing/2014/main" id="{C7C1589C-ABCA-8343-B3A3-9C39C0719F34}"/>
+          <p:cNvPr id="8" name="TextBox 7">
+            <a:extLst>
+              <a:ext uri="{FF2B5EF4-FFF2-40B4-BE49-F238E27FC236}">
+                <a16:creationId xmlns:a16="http://schemas.microsoft.com/office/drawing/2014/main" id="{5971C096-9117-4F4C-ADB9-83D0A583BE76}"/>
               </a:ext>
             </a:extLst>
           </p:cNvPr>
@@ -10125,7 +9987,7 @@
     </p:spTree>
     <p:extLst>
       <p:ext uri="{BB962C8B-B14F-4D97-AF65-F5344CB8AC3E}">
-        <p14:creationId xmlns:p14="http://schemas.microsoft.com/office/powerpoint/2010/main" val="141104059"/>
+        <p14:creationId xmlns:p14="http://schemas.microsoft.com/office/powerpoint/2010/main" val="122474746"/>
       </p:ext>
     </p:extLst>
   </p:cSld>
@@ -10177,7 +10039,7 @@
           <a:p>
             <a:r>
               <a:rPr lang="en-US" sz="2400" dirty="0"/>
-              <a:t>Chronic Respiratory Disease Mortality Rate vs Median Household Income</a:t>
+              <a:t>Chronic Respiratory Disease Mortality Rate vs CO2 Emissions</a:t>
             </a:r>
             <a:br>
               <a:rPr lang="en-US" sz="2400" dirty="0"/>
@@ -10244,7 +10106,7 @@
           <a:p>
             <a:r>
               <a:rPr lang="en-US" sz="1800" dirty="0"/>
-              <a:t>Median Household Income</a:t>
+              <a:t>CO2 Emissions</a:t>
             </a:r>
           </a:p>
         </p:txBody>
@@ -10255,7 +10117,7 @@
             <a:hlinkClick r:id="rId3"/>
             <a:extLst>
               <a:ext uri="{FF2B5EF4-FFF2-40B4-BE49-F238E27FC236}">
-                <a16:creationId xmlns:a16="http://schemas.microsoft.com/office/drawing/2014/main" id="{F8AA2CB9-B45E-AF49-BE61-1E9640FB9E34}"/>
+                <a16:creationId xmlns:a16="http://schemas.microsoft.com/office/drawing/2014/main" id="{0F548BD2-B669-9149-A126-7E93F89D3F8E}"/>
               </a:ext>
             </a:extLst>
           </p:cNvPr>
@@ -10266,6 +10128,36 @@
         </p:nvPicPr>
         <p:blipFill rotWithShape="1">
           <a:blip r:embed="rId4"/>
+          <a:srcRect t="5513" b="13804"/>
+          <a:stretch/>
+        </p:blipFill>
+        <p:spPr>
+          <a:xfrm>
+            <a:off x="5998464" y="2743200"/>
+            <a:ext cx="5943600" cy="3425372"/>
+          </a:xfrm>
+          <a:prstGeom prst="rect">
+            <a:avLst/>
+          </a:prstGeom>
+        </p:spPr>
+      </p:pic>
+      <p:pic>
+        <p:nvPicPr>
+          <p:cNvPr id="8" name="Picture 7">
+            <a:hlinkClick r:id="rId5"/>
+            <a:extLst>
+              <a:ext uri="{FF2B5EF4-FFF2-40B4-BE49-F238E27FC236}">
+                <a16:creationId xmlns:a16="http://schemas.microsoft.com/office/drawing/2014/main" id="{6EF001D2-05C4-8448-BC95-4AF70BFB3983}"/>
+              </a:ext>
+            </a:extLst>
+          </p:cNvPr>
+          <p:cNvPicPr>
+            <a:picLocks noChangeAspect="1"/>
+          </p:cNvPicPr>
+          <p:nvPr/>
+        </p:nvPicPr>
+        <p:blipFill rotWithShape="1">
+          <a:blip r:embed="rId6"/>
           <a:srcRect t="5513" b="13804"/>
           <a:stretch/>
         </p:blipFill>
@@ -10279,42 +10171,12 @@
           </a:prstGeom>
         </p:spPr>
       </p:pic>
-      <p:pic>
-        <p:nvPicPr>
-          <p:cNvPr id="8" name="Picture 7">
-            <a:hlinkClick r:id="rId5"/>
-            <a:extLst>
-              <a:ext uri="{FF2B5EF4-FFF2-40B4-BE49-F238E27FC236}">
-                <a16:creationId xmlns:a16="http://schemas.microsoft.com/office/drawing/2014/main" id="{E2CA6A60-AF13-A546-8350-1D663A1DF03C}"/>
-              </a:ext>
-            </a:extLst>
-          </p:cNvPr>
-          <p:cNvPicPr>
-            <a:picLocks noChangeAspect="1"/>
-          </p:cNvPicPr>
-          <p:nvPr/>
-        </p:nvPicPr>
-        <p:blipFill rotWithShape="1">
-          <a:blip r:embed="rId6"/>
-          <a:srcRect t="5513" b="13804"/>
-          <a:stretch/>
-        </p:blipFill>
-        <p:spPr>
-          <a:xfrm>
-            <a:off x="5998464" y="2743200"/>
-            <a:ext cx="5943600" cy="3425372"/>
-          </a:xfrm>
-          <a:prstGeom prst="rect">
-            <a:avLst/>
-          </a:prstGeom>
-        </p:spPr>
-      </p:pic>
       <p:sp>
         <p:nvSpPr>
           <p:cNvPr id="9" name="TextBox 8">
             <a:extLst>
               <a:ext uri="{FF2B5EF4-FFF2-40B4-BE49-F238E27FC236}">
-                <a16:creationId xmlns:a16="http://schemas.microsoft.com/office/drawing/2014/main" id="{F29A321D-2724-A542-AA00-9620D9C300DC}"/>
+                <a16:creationId xmlns:a16="http://schemas.microsoft.com/office/drawing/2014/main" id="{C7C1589C-ABCA-8343-B3A3-9C39C0719F34}"/>
               </a:ext>
             </a:extLst>
           </p:cNvPr>
@@ -10354,7 +10216,7 @@
     </p:spTree>
     <p:extLst>
       <p:ext uri="{BB962C8B-B14F-4D97-AF65-F5344CB8AC3E}">
-        <p14:creationId xmlns:p14="http://schemas.microsoft.com/office/powerpoint/2010/main" val="2629613991"/>
+        <p14:creationId xmlns:p14="http://schemas.microsoft.com/office/powerpoint/2010/main" val="141104059"/>
       </p:ext>
     </p:extLst>
   </p:cSld>
@@ -10406,7 +10268,7 @@
           <a:p>
             <a:r>
               <a:rPr lang="en-US" sz="2400" dirty="0"/>
-              <a:t>Coal Power Generation vs Median Household Income</a:t>
+              <a:t>Chronic Respiratory Disease Mortality Rate vs Median Household Income</a:t>
             </a:r>
             <a:br>
               <a:rPr lang="en-US" sz="2400" dirty="0"/>
@@ -10443,7 +10305,7 @@
           <a:p>
             <a:r>
               <a:rPr lang="en-US" sz="1800" dirty="0"/>
-              <a:t>Coal Power Generation</a:t>
+              <a:t>Chronic Respiratory Disease Mortality Rate</a:t>
             </a:r>
           </a:p>
         </p:txBody>
@@ -10484,7 +10346,7 @@
             <a:hlinkClick r:id="rId3"/>
             <a:extLst>
               <a:ext uri="{FF2B5EF4-FFF2-40B4-BE49-F238E27FC236}">
-                <a16:creationId xmlns:a16="http://schemas.microsoft.com/office/drawing/2014/main" id="{9F38D7F7-FBE2-BA43-9EA9-66C20B554AF3}"/>
+                <a16:creationId xmlns:a16="http://schemas.microsoft.com/office/drawing/2014/main" id="{F8AA2CB9-B45E-AF49-BE61-1E9640FB9E34}"/>
               </a:ext>
             </a:extLst>
           </p:cNvPr>
@@ -10514,7 +10376,7 @@
             <a:hlinkClick r:id="rId5"/>
             <a:extLst>
               <a:ext uri="{FF2B5EF4-FFF2-40B4-BE49-F238E27FC236}">
-                <a16:creationId xmlns:a16="http://schemas.microsoft.com/office/drawing/2014/main" id="{023DE8B8-9208-2245-B5F0-A3C1F5E07116}"/>
+                <a16:creationId xmlns:a16="http://schemas.microsoft.com/office/drawing/2014/main" id="{E2CA6A60-AF13-A546-8350-1D663A1DF03C}"/>
               </a:ext>
             </a:extLst>
           </p:cNvPr>
@@ -10543,7 +10405,7 @@
           <p:cNvPr id="9" name="TextBox 8">
             <a:extLst>
               <a:ext uri="{FF2B5EF4-FFF2-40B4-BE49-F238E27FC236}">
-                <a16:creationId xmlns:a16="http://schemas.microsoft.com/office/drawing/2014/main" id="{AFA838A9-4017-7A43-B24B-FC6FEEEC9F4B}"/>
+                <a16:creationId xmlns:a16="http://schemas.microsoft.com/office/drawing/2014/main" id="{F29A321D-2724-A542-AA00-9620D9C300DC}"/>
               </a:ext>
             </a:extLst>
           </p:cNvPr>
@@ -10583,7 +10445,7 @@
     </p:spTree>
     <p:extLst>
       <p:ext uri="{BB962C8B-B14F-4D97-AF65-F5344CB8AC3E}">
-        <p14:creationId xmlns:p14="http://schemas.microsoft.com/office/powerpoint/2010/main" val="2772586333"/>
+        <p14:creationId xmlns:p14="http://schemas.microsoft.com/office/powerpoint/2010/main" val="2629613991"/>
       </p:ext>
     </p:extLst>
   </p:cSld>
@@ -10635,7 +10497,7 @@
           <a:p>
             <a:r>
               <a:rPr lang="en-US" sz="2400" dirty="0"/>
-              <a:t>Natural Gas Power Generation vs Median Household Income</a:t>
+              <a:t>Coal Power Generation vs Median Household Income</a:t>
             </a:r>
             <a:br>
               <a:rPr lang="en-US" sz="2400" dirty="0"/>
@@ -10672,7 +10534,7 @@
           <a:p>
             <a:r>
               <a:rPr lang="en-US" sz="1800" dirty="0"/>
-              <a:t>Natural Gas Power Generation</a:t>
+              <a:t>Coal Power Generation</a:t>
             </a:r>
           </a:p>
         </p:txBody>
@@ -10713,7 +10575,7 @@
             <a:hlinkClick r:id="rId3"/>
             <a:extLst>
               <a:ext uri="{FF2B5EF4-FFF2-40B4-BE49-F238E27FC236}">
-                <a16:creationId xmlns:a16="http://schemas.microsoft.com/office/drawing/2014/main" id="{798698FC-823D-5744-93AC-66ADBB2B880A}"/>
+                <a16:creationId xmlns:a16="http://schemas.microsoft.com/office/drawing/2014/main" id="{9F38D7F7-FBE2-BA43-9EA9-66C20B554AF3}"/>
               </a:ext>
             </a:extLst>
           </p:cNvPr>
@@ -10743,7 +10605,7 @@
             <a:hlinkClick r:id="rId5"/>
             <a:extLst>
               <a:ext uri="{FF2B5EF4-FFF2-40B4-BE49-F238E27FC236}">
-                <a16:creationId xmlns:a16="http://schemas.microsoft.com/office/drawing/2014/main" id="{CD03588C-5A58-7549-A923-38F9F68C2F46}"/>
+                <a16:creationId xmlns:a16="http://schemas.microsoft.com/office/drawing/2014/main" id="{023DE8B8-9208-2245-B5F0-A3C1F5E07116}"/>
               </a:ext>
             </a:extLst>
           </p:cNvPr>
@@ -10772,7 +10634,7 @@
           <p:cNvPr id="9" name="TextBox 8">
             <a:extLst>
               <a:ext uri="{FF2B5EF4-FFF2-40B4-BE49-F238E27FC236}">
-                <a16:creationId xmlns:a16="http://schemas.microsoft.com/office/drawing/2014/main" id="{1162CE67-CDB6-D84A-B72B-D9B2BFC989D2}"/>
+                <a16:creationId xmlns:a16="http://schemas.microsoft.com/office/drawing/2014/main" id="{AFA838A9-4017-7A43-B24B-FC6FEEEC9F4B}"/>
               </a:ext>
             </a:extLst>
           </p:cNvPr>
@@ -10812,7 +10674,7 @@
     </p:spTree>
     <p:extLst>
       <p:ext uri="{BB962C8B-B14F-4D97-AF65-F5344CB8AC3E}">
-        <p14:creationId xmlns:p14="http://schemas.microsoft.com/office/powerpoint/2010/main" val="1726893230"/>
+        <p14:creationId xmlns:p14="http://schemas.microsoft.com/office/powerpoint/2010/main" val="2772586333"/>
       </p:ext>
     </p:extLst>
   </p:cSld>
@@ -10841,10 +10703,10 @@
       </p:grpSpPr>
       <p:sp>
         <p:nvSpPr>
-          <p:cNvPr id="2" name="Title 1">
-            <a:extLst>
-              <a:ext uri="{FF2B5EF4-FFF2-40B4-BE49-F238E27FC236}">
-                <a16:creationId xmlns:a16="http://schemas.microsoft.com/office/drawing/2014/main" id="{79ECC85A-7E30-F84B-A654-D7720551A235}"/>
+          <p:cNvPr id="4" name="Title 3">
+            <a:extLst>
+              <a:ext uri="{FF2B5EF4-FFF2-40B4-BE49-F238E27FC236}">
+                <a16:creationId xmlns:a16="http://schemas.microsoft.com/office/drawing/2014/main" id="{392B4D61-C0B8-1F4C-9B1C-F14AC21E8A3E}"/>
               </a:ext>
             </a:extLst>
           </p:cNvPr>
@@ -10857,25 +10719,92 @@
         </p:nvSpPr>
         <p:spPr/>
         <p:txBody>
-          <a:bodyPr/>
-          <a:lstStyle/>
-          <a:p>
-            <a:r>
-              <a:rPr lang="en-US" dirty="0">
-                <a:hlinkClick r:id="rId3"/>
-              </a:rPr>
-              <a:t>View Jupyter Notebook</a:t>
-            </a:r>
-            <a:endParaRPr lang="en-US" dirty="0"/>
+          <a:bodyPr anchor="t">
+            <a:normAutofit/>
+          </a:bodyPr>
+          <a:lstStyle/>
+          <a:p>
+            <a:r>
+              <a:rPr lang="en-US" sz="2400" dirty="0"/>
+              <a:t>Natural Gas Power Generation vs Median Household Income</a:t>
+            </a:r>
+            <a:br>
+              <a:rPr lang="en-US" sz="2400" dirty="0"/>
+            </a:br>
+            <a:r>
+              <a:rPr lang="en-US" sz="2400" dirty="0"/>
+              <a:t>Year 2014</a:t>
+            </a:r>
+          </a:p>
+        </p:txBody>
+      </p:sp>
+      <p:sp>
+        <p:nvSpPr>
+          <p:cNvPr id="5" name="Text Placeholder 4">
+            <a:extLst>
+              <a:ext uri="{FF2B5EF4-FFF2-40B4-BE49-F238E27FC236}">
+                <a16:creationId xmlns:a16="http://schemas.microsoft.com/office/drawing/2014/main" id="{F7D008E2-B609-414E-964D-C07E984BE5B7}"/>
+              </a:ext>
+            </a:extLst>
+          </p:cNvPr>
+          <p:cNvSpPr>
+            <a:spLocks noGrp="1"/>
+          </p:cNvSpPr>
+          <p:nvPr>
+            <p:ph type="body" idx="1"/>
+          </p:nvPr>
+        </p:nvSpPr>
+        <p:spPr/>
+        <p:txBody>
+          <a:bodyPr anchor="t">
+            <a:normAutofit/>
+          </a:bodyPr>
+          <a:lstStyle/>
+          <a:p>
+            <a:r>
+              <a:rPr lang="en-US" sz="1800" dirty="0"/>
+              <a:t>Natural Gas Power Generation</a:t>
+            </a:r>
+          </a:p>
+        </p:txBody>
+      </p:sp>
+      <p:sp>
+        <p:nvSpPr>
+          <p:cNvPr id="7" name="Text Placeholder 6">
+            <a:extLst>
+              <a:ext uri="{FF2B5EF4-FFF2-40B4-BE49-F238E27FC236}">
+                <a16:creationId xmlns:a16="http://schemas.microsoft.com/office/drawing/2014/main" id="{6A1D2EC0-B35D-B346-9CB2-30D51EA6CC67}"/>
+              </a:ext>
+            </a:extLst>
+          </p:cNvPr>
+          <p:cNvSpPr>
+            <a:spLocks noGrp="1"/>
+          </p:cNvSpPr>
+          <p:nvPr>
+            <p:ph type="body" sz="quarter" idx="3"/>
+          </p:nvPr>
+        </p:nvSpPr>
+        <p:spPr/>
+        <p:txBody>
+          <a:bodyPr anchor="t">
+            <a:normAutofit/>
+          </a:bodyPr>
+          <a:lstStyle/>
+          <a:p>
+            <a:r>
+              <a:rPr lang="en-US" sz="1800" dirty="0"/>
+              <a:t>Median Household Income</a:t>
+            </a:r>
           </a:p>
         </p:txBody>
       </p:sp>
       <p:pic>
         <p:nvPicPr>
-          <p:cNvPr id="8" name="Picture 7">
-            <a:extLst>
-              <a:ext uri="{FF2B5EF4-FFF2-40B4-BE49-F238E27FC236}">
-                <a16:creationId xmlns:a16="http://schemas.microsoft.com/office/drawing/2014/main" id="{9EBBFC81-5FC9-C34A-B53A-A64F5516EB8B}"/>
+          <p:cNvPr id="6" name="Picture 5">
+            <a:hlinkClick r:id="rId3"/>
+            <a:extLst>
+              <a:ext uri="{FF2B5EF4-FFF2-40B4-BE49-F238E27FC236}">
+                <a16:creationId xmlns:a16="http://schemas.microsoft.com/office/drawing/2014/main" id="{798698FC-823D-5744-93AC-66ADBB2B880A}"/>
               </a:ext>
             </a:extLst>
           </p:cNvPr>
@@ -10884,26 +10813,97 @@
           </p:cNvPicPr>
           <p:nvPr/>
         </p:nvPicPr>
-        <p:blipFill>
+        <p:blipFill rotWithShape="1">
           <a:blip r:embed="rId4"/>
-          <a:stretch>
-            <a:fillRect/>
-          </a:stretch>
+          <a:srcRect t="5513" b="13804"/>
+          <a:stretch/>
         </p:blipFill>
         <p:spPr>
           <a:xfrm>
-            <a:off x="2370138" y="2191270"/>
-            <a:ext cx="7454900" cy="4711700"/>
+            <a:off x="91440" y="2743200"/>
+            <a:ext cx="5943600" cy="3425372"/>
           </a:xfrm>
           <a:prstGeom prst="rect">
             <a:avLst/>
           </a:prstGeom>
         </p:spPr>
       </p:pic>
+      <p:pic>
+        <p:nvPicPr>
+          <p:cNvPr id="8" name="Picture 7">
+            <a:hlinkClick r:id="rId5"/>
+            <a:extLst>
+              <a:ext uri="{FF2B5EF4-FFF2-40B4-BE49-F238E27FC236}">
+                <a16:creationId xmlns:a16="http://schemas.microsoft.com/office/drawing/2014/main" id="{CD03588C-5A58-7549-A923-38F9F68C2F46}"/>
+              </a:ext>
+            </a:extLst>
+          </p:cNvPr>
+          <p:cNvPicPr>
+            <a:picLocks noChangeAspect="1"/>
+          </p:cNvPicPr>
+          <p:nvPr/>
+        </p:nvPicPr>
+        <p:blipFill rotWithShape="1">
+          <a:blip r:embed="rId6"/>
+          <a:srcRect t="5513" b="13804"/>
+          <a:stretch/>
+        </p:blipFill>
+        <p:spPr>
+          <a:xfrm>
+            <a:off x="5998464" y="2743200"/>
+            <a:ext cx="5943600" cy="3425372"/>
+          </a:xfrm>
+          <a:prstGeom prst="rect">
+            <a:avLst/>
+          </a:prstGeom>
+        </p:spPr>
+      </p:pic>
+      <p:sp>
+        <p:nvSpPr>
+          <p:cNvPr id="9" name="TextBox 8">
+            <a:extLst>
+              <a:ext uri="{FF2B5EF4-FFF2-40B4-BE49-F238E27FC236}">
+                <a16:creationId xmlns:a16="http://schemas.microsoft.com/office/drawing/2014/main" id="{1162CE67-CDB6-D84A-B72B-D9B2BFC989D2}"/>
+              </a:ext>
+            </a:extLst>
+          </p:cNvPr>
+          <p:cNvSpPr txBox="1"/>
+          <p:nvPr/>
+        </p:nvSpPr>
+        <p:spPr>
+          <a:xfrm>
+            <a:off x="4724400" y="6435981"/>
+            <a:ext cx="2743201" cy="369332"/>
+          </a:xfrm>
+          <a:prstGeom prst="rect">
+            <a:avLst/>
+          </a:prstGeom>
+          <a:noFill/>
+        </p:spPr>
+        <p:txBody>
+          <a:bodyPr wrap="square" rtlCol="0">
+            <a:spAutoFit/>
+          </a:bodyPr>
+          <a:lstStyle/>
+          <a:p>
+            <a:pPr algn="ctr"/>
+            <a:r>
+              <a:rPr lang="en-US" dirty="0">
+                <a:solidFill>
+                  <a:schemeClr val="bg2">
+                    <a:lumMod val="50000"/>
+                  </a:schemeClr>
+                </a:solidFill>
+              </a:rPr>
+              <a:t>Click map to view actuals </a:t>
+            </a:r>
+          </a:p>
+        </p:txBody>
+      </p:sp>
     </p:spTree>
     <p:extLst>
       <p:ext uri="{BB962C8B-B14F-4D97-AF65-F5344CB8AC3E}">
-        <p14:creationId xmlns:p14="http://schemas.microsoft.com/office/powerpoint/2010/main" val="594879572"/>
+        <p14:creationId xmlns:p14="http://schemas.microsoft.com/office/powerpoint/2010/main" val="1726893230"/>
       </p:ext>
     </p:extLst>
   </p:cSld>
@@ -10955,7 +10955,7 @@
           <a:p>
             <a:r>
               <a:rPr lang="en-US" sz="2400" dirty="0"/>
-              <a:t>Natural Gas Power Generation vs CO2 Emissions</a:t>
+              <a:t>Coal Power Generation vs CO2 Emissions</a:t>
             </a:r>
             <a:br>
               <a:rPr lang="en-US" sz="2400" dirty="0"/>
@@ -10992,7 +10992,7 @@
           <a:p>
             <a:r>
               <a:rPr lang="en-US" sz="1800" dirty="0"/>
-              <a:t>Natural Gas Power Generation</a:t>
+              <a:t>Coal Power Generation</a:t>
             </a:r>
           </a:p>
         </p:txBody>
@@ -11029,11 +11029,11 @@
       </p:sp>
       <p:pic>
         <p:nvPicPr>
-          <p:cNvPr id="17" name="Content Placeholder 10">
+          <p:cNvPr id="12" name="Content Placeholder 8">
             <a:hlinkClick r:id="rId3"/>
             <a:extLst>
               <a:ext uri="{FF2B5EF4-FFF2-40B4-BE49-F238E27FC236}">
-                <a16:creationId xmlns:a16="http://schemas.microsoft.com/office/drawing/2014/main" id="{71F0F94F-C638-E645-9062-58D970B02947}"/>
+                <a16:creationId xmlns:a16="http://schemas.microsoft.com/office/drawing/2014/main" id="{A2BFA3DC-B9E4-1A45-8A1E-861CEE229BBC}"/>
               </a:ext>
             </a:extLst>
           </p:cNvPr>
@@ -11044,6 +11044,36 @@
         </p:nvPicPr>
         <p:blipFill rotWithShape="1">
           <a:blip r:embed="rId4"/>
+          <a:srcRect t="5438" b="13707"/>
+          <a:stretch/>
+        </p:blipFill>
+        <p:spPr>
+          <a:xfrm>
+            <a:off x="90571" y="2743200"/>
+            <a:ext cx="5943600" cy="3432633"/>
+          </a:xfrm>
+          <a:prstGeom prst="rect">
+            <a:avLst/>
+          </a:prstGeom>
+        </p:spPr>
+      </p:pic>
+      <p:pic>
+        <p:nvPicPr>
+          <p:cNvPr id="13" name="Content Placeholder 10">
+            <a:hlinkClick r:id="rId5"/>
+            <a:extLst>
+              <a:ext uri="{FF2B5EF4-FFF2-40B4-BE49-F238E27FC236}">
+                <a16:creationId xmlns:a16="http://schemas.microsoft.com/office/drawing/2014/main" id="{1877202C-214E-B341-97AE-5E7F61663DA0}"/>
+              </a:ext>
+            </a:extLst>
+          </p:cNvPr>
+          <p:cNvPicPr>
+            <a:picLocks noChangeAspect="1"/>
+          </p:cNvPicPr>
+          <p:nvPr/>
+        </p:nvPicPr>
+        <p:blipFill rotWithShape="1">
+          <a:blip r:embed="rId6"/>
           <a:srcRect t="5429" b="13715"/>
           <a:stretch/>
         </p:blipFill>
@@ -11057,42 +11087,12 @@
           </a:prstGeom>
         </p:spPr>
       </p:pic>
-      <p:pic>
-        <p:nvPicPr>
-          <p:cNvPr id="19" name="Picture 18">
-            <a:hlinkClick r:id="rId5"/>
-            <a:extLst>
-              <a:ext uri="{FF2B5EF4-FFF2-40B4-BE49-F238E27FC236}">
-                <a16:creationId xmlns:a16="http://schemas.microsoft.com/office/drawing/2014/main" id="{2980D88A-B0EF-944E-B18A-18FC5AC6ADF5}"/>
-              </a:ext>
-            </a:extLst>
-          </p:cNvPr>
-          <p:cNvPicPr>
-            <a:picLocks noChangeAspect="1"/>
-          </p:cNvPicPr>
-          <p:nvPr/>
-        </p:nvPicPr>
-        <p:blipFill rotWithShape="1">
-          <a:blip r:embed="rId6"/>
-          <a:srcRect t="5513" b="13804"/>
-          <a:stretch/>
-        </p:blipFill>
-        <p:spPr>
-          <a:xfrm>
-            <a:off x="91440" y="2743200"/>
-            <a:ext cx="5943600" cy="3425372"/>
-          </a:xfrm>
-          <a:prstGeom prst="rect">
-            <a:avLst/>
-          </a:prstGeom>
-        </p:spPr>
-      </p:pic>
-      <p:sp>
-        <p:nvSpPr>
-          <p:cNvPr id="20" name="TextBox 19">
-            <a:extLst>
-              <a:ext uri="{FF2B5EF4-FFF2-40B4-BE49-F238E27FC236}">
-                <a16:creationId xmlns:a16="http://schemas.microsoft.com/office/drawing/2014/main" id="{702F6408-5D97-E448-92CD-BC171333E141}"/>
+      <p:sp>
+        <p:nvSpPr>
+          <p:cNvPr id="14" name="TextBox 13">
+            <a:extLst>
+              <a:ext uri="{FF2B5EF4-FFF2-40B4-BE49-F238E27FC236}">
+                <a16:creationId xmlns:a16="http://schemas.microsoft.com/office/drawing/2014/main" id="{217B8596-6E68-EA40-B14D-54F6F8D168E3}"/>
               </a:ext>
             </a:extLst>
           </p:cNvPr>
@@ -11132,7 +11132,7 @@
     </p:spTree>
     <p:extLst>
       <p:ext uri="{BB962C8B-B14F-4D97-AF65-F5344CB8AC3E}">
-        <p14:creationId xmlns:p14="http://schemas.microsoft.com/office/powerpoint/2010/main" val="3152854564"/>
+        <p14:creationId xmlns:p14="http://schemas.microsoft.com/office/powerpoint/2010/main" val="1308437056"/>
       </p:ext>
     </p:extLst>
   </p:cSld>
@@ -11184,7 +11184,7 @@
           <a:p>
             <a:r>
               <a:rPr lang="en-US" sz="2400" dirty="0"/>
-              <a:t>Chronic Respiratory Disease Mortality Rate vs CO2 Emissions</a:t>
+              <a:t>Natural Gas Power Generation vs CO2 Emissions</a:t>
             </a:r>
             <a:br>
               <a:rPr lang="en-US" sz="2400" dirty="0"/>
@@ -11221,7 +11221,7 @@
           <a:p>
             <a:r>
               <a:rPr lang="en-US" sz="1800" dirty="0"/>
-              <a:t>Chronic Respiratory Disease Mortality Rate</a:t>
+              <a:t>Natural Gas Power Generation</a:t>
             </a:r>
           </a:p>
         </p:txBody>
@@ -11258,11 +11258,11 @@
       </p:sp>
       <p:pic>
         <p:nvPicPr>
-          <p:cNvPr id="18" name="Content Placeholder 10">
+          <p:cNvPr id="17" name="Content Placeholder 10">
             <a:hlinkClick r:id="rId3"/>
             <a:extLst>
               <a:ext uri="{FF2B5EF4-FFF2-40B4-BE49-F238E27FC236}">
-                <a16:creationId xmlns:a16="http://schemas.microsoft.com/office/drawing/2014/main" id="{D1A234DF-EB77-174F-A2EE-BA1884498F9D}"/>
+                <a16:creationId xmlns:a16="http://schemas.microsoft.com/office/drawing/2014/main" id="{71F0F94F-C638-E645-9062-58D970B02947}"/>
               </a:ext>
             </a:extLst>
           </p:cNvPr>
@@ -11288,11 +11288,11 @@
       </p:pic>
       <p:pic>
         <p:nvPicPr>
-          <p:cNvPr id="19" name="Content Placeholder 8">
+          <p:cNvPr id="19" name="Picture 18">
             <a:hlinkClick r:id="rId5"/>
             <a:extLst>
               <a:ext uri="{FF2B5EF4-FFF2-40B4-BE49-F238E27FC236}">
-                <a16:creationId xmlns:a16="http://schemas.microsoft.com/office/drawing/2014/main" id="{72570C07-3D12-484E-A8EE-FCECBB2FF1DC}"/>
+                <a16:creationId xmlns:a16="http://schemas.microsoft.com/office/drawing/2014/main" id="{2980D88A-B0EF-944E-B18A-18FC5AC6ADF5}"/>
               </a:ext>
             </a:extLst>
           </p:cNvPr>
@@ -11303,13 +11303,13 @@
         </p:nvPicPr>
         <p:blipFill rotWithShape="1">
           <a:blip r:embed="rId6"/>
-          <a:srcRect t="5417" b="13900"/>
+          <a:srcRect t="5513" b="13804"/>
           <a:stretch/>
         </p:blipFill>
         <p:spPr>
           <a:xfrm>
-            <a:off x="90572" y="2743200"/>
-            <a:ext cx="5943599" cy="3425371"/>
+            <a:off x="91440" y="2743200"/>
+            <a:ext cx="5943600" cy="3425372"/>
           </a:xfrm>
           <a:prstGeom prst="rect">
             <a:avLst/>
@@ -11321,7 +11321,7 @@
           <p:cNvPr id="20" name="TextBox 19">
             <a:extLst>
               <a:ext uri="{FF2B5EF4-FFF2-40B4-BE49-F238E27FC236}">
-                <a16:creationId xmlns:a16="http://schemas.microsoft.com/office/drawing/2014/main" id="{3181A7CC-82E7-9849-BBE3-D80F3EE79710}"/>
+                <a16:creationId xmlns:a16="http://schemas.microsoft.com/office/drawing/2014/main" id="{702F6408-5D97-E448-92CD-BC171333E141}"/>
               </a:ext>
             </a:extLst>
           </p:cNvPr>
@@ -11361,7 +11361,7 @@
     </p:spTree>
     <p:extLst>
       <p:ext uri="{BB962C8B-B14F-4D97-AF65-F5344CB8AC3E}">
-        <p14:creationId xmlns:p14="http://schemas.microsoft.com/office/powerpoint/2010/main" val="577500049"/>
+        <p14:creationId xmlns:p14="http://schemas.microsoft.com/office/powerpoint/2010/main" val="3152854564"/>
       </p:ext>
     </p:extLst>
   </p:cSld>
@@ -11413,7 +11413,7 @@
           <a:p>
             <a:r>
               <a:rPr lang="en-US" sz="2400" dirty="0"/>
-              <a:t>Chronic Respiratory Disease Mortality Rate vs Median Household Income</a:t>
+              <a:t>Chronic Respiratory Disease Mortality Rate vs CO2 Emissions</a:t>
             </a:r>
             <a:br>
               <a:rPr lang="en-US" sz="2400" dirty="0"/>
@@ -11480,18 +11480,18 @@
           <a:p>
             <a:r>
               <a:rPr lang="en-US" sz="1800" dirty="0"/>
-              <a:t>Median Household Income</a:t>
+              <a:t>CO2 Emissions</a:t>
             </a:r>
           </a:p>
         </p:txBody>
       </p:sp>
       <p:pic>
         <p:nvPicPr>
-          <p:cNvPr id="17" name="Content Placeholder 8">
+          <p:cNvPr id="18" name="Content Placeholder 10">
             <a:hlinkClick r:id="rId3"/>
             <a:extLst>
               <a:ext uri="{FF2B5EF4-FFF2-40B4-BE49-F238E27FC236}">
-                <a16:creationId xmlns:a16="http://schemas.microsoft.com/office/drawing/2014/main" id="{64EE8BD5-E098-9F41-9A0F-81E2D45E86F7}"/>
+                <a16:creationId xmlns:a16="http://schemas.microsoft.com/office/drawing/2014/main" id="{D1A234DF-EB77-174F-A2EE-BA1884498F9D}"/>
               </a:ext>
             </a:extLst>
           </p:cNvPr>
@@ -11502,6 +11502,36 @@
         </p:nvPicPr>
         <p:blipFill rotWithShape="1">
           <a:blip r:embed="rId4"/>
+          <a:srcRect t="5429" b="13715"/>
+          <a:stretch/>
+        </p:blipFill>
+        <p:spPr>
+          <a:xfrm>
+            <a:off x="5997575" y="2743200"/>
+            <a:ext cx="5943600" cy="3432633"/>
+          </a:xfrm>
+          <a:prstGeom prst="rect">
+            <a:avLst/>
+          </a:prstGeom>
+        </p:spPr>
+      </p:pic>
+      <p:pic>
+        <p:nvPicPr>
+          <p:cNvPr id="19" name="Content Placeholder 8">
+            <a:hlinkClick r:id="rId5"/>
+            <a:extLst>
+              <a:ext uri="{FF2B5EF4-FFF2-40B4-BE49-F238E27FC236}">
+                <a16:creationId xmlns:a16="http://schemas.microsoft.com/office/drawing/2014/main" id="{72570C07-3D12-484E-A8EE-FCECBB2FF1DC}"/>
+              </a:ext>
+            </a:extLst>
+          </p:cNvPr>
+          <p:cNvPicPr>
+            <a:picLocks noChangeAspect="1"/>
+          </p:cNvPicPr>
+          <p:nvPr/>
+        </p:nvPicPr>
+        <p:blipFill rotWithShape="1">
+          <a:blip r:embed="rId6"/>
           <a:srcRect t="5417" b="13900"/>
           <a:stretch/>
         </p:blipFill>
@@ -11515,42 +11545,12 @@
           </a:prstGeom>
         </p:spPr>
       </p:pic>
-      <p:pic>
-        <p:nvPicPr>
-          <p:cNvPr id="18" name="Content Placeholder 10">
-            <a:hlinkClick r:id="rId5"/>
-            <a:extLst>
-              <a:ext uri="{FF2B5EF4-FFF2-40B4-BE49-F238E27FC236}">
-                <a16:creationId xmlns:a16="http://schemas.microsoft.com/office/drawing/2014/main" id="{47456628-1607-1A4C-A65B-84C9AEA6511F}"/>
-              </a:ext>
-            </a:extLst>
-          </p:cNvPr>
-          <p:cNvPicPr>
-            <a:picLocks noChangeAspect="1"/>
-          </p:cNvPicPr>
-          <p:nvPr/>
-        </p:nvPicPr>
-        <p:blipFill rotWithShape="1">
-          <a:blip r:embed="rId6"/>
-          <a:srcRect t="5600" b="13716"/>
-          <a:stretch/>
-        </p:blipFill>
-        <p:spPr>
-          <a:xfrm>
-            <a:off x="5998464" y="2743200"/>
-            <a:ext cx="5943600" cy="3425371"/>
-          </a:xfrm>
-          <a:prstGeom prst="rect">
-            <a:avLst/>
-          </a:prstGeom>
-        </p:spPr>
-      </p:pic>
-      <p:sp>
-        <p:nvSpPr>
-          <p:cNvPr id="19" name="TextBox 18">
-            <a:extLst>
-              <a:ext uri="{FF2B5EF4-FFF2-40B4-BE49-F238E27FC236}">
-                <a16:creationId xmlns:a16="http://schemas.microsoft.com/office/drawing/2014/main" id="{D9FE0D46-B3CE-7E4B-8704-814A4E6792E4}"/>
+      <p:sp>
+        <p:nvSpPr>
+          <p:cNvPr id="20" name="TextBox 19">
+            <a:extLst>
+              <a:ext uri="{FF2B5EF4-FFF2-40B4-BE49-F238E27FC236}">
+                <a16:creationId xmlns:a16="http://schemas.microsoft.com/office/drawing/2014/main" id="{3181A7CC-82E7-9849-BBE3-D80F3EE79710}"/>
               </a:ext>
             </a:extLst>
           </p:cNvPr>
@@ -11590,7 +11590,7 @@
     </p:spTree>
     <p:extLst>
       <p:ext uri="{BB962C8B-B14F-4D97-AF65-F5344CB8AC3E}">
-        <p14:creationId xmlns:p14="http://schemas.microsoft.com/office/powerpoint/2010/main" val="2781917799"/>
+        <p14:creationId xmlns:p14="http://schemas.microsoft.com/office/powerpoint/2010/main" val="577500049"/>
       </p:ext>
     </p:extLst>
   </p:cSld>
@@ -11642,7 +11642,7 @@
           <a:p>
             <a:r>
               <a:rPr lang="en-US" sz="2400" dirty="0"/>
-              <a:t>Coal Power Generation vs Median Household Income</a:t>
+              <a:t>Chronic Respiratory Disease Mortality Rate vs Median Household Income</a:t>
             </a:r>
             <a:br>
               <a:rPr lang="en-US" sz="2400" dirty="0"/>
@@ -11679,7 +11679,7 @@
           <a:p>
             <a:r>
               <a:rPr lang="en-US" sz="1800" dirty="0"/>
-              <a:t>Coal Power Generation</a:t>
+              <a:t>Chronic Respiratory Disease Mortality Rate</a:t>
             </a:r>
           </a:p>
         </p:txBody>
@@ -11720,7 +11720,7 @@
             <a:hlinkClick r:id="rId3"/>
             <a:extLst>
               <a:ext uri="{FF2B5EF4-FFF2-40B4-BE49-F238E27FC236}">
-                <a16:creationId xmlns:a16="http://schemas.microsoft.com/office/drawing/2014/main" id="{1C1FC08D-AA2C-174E-9B6E-78B24ADEBB5A}"/>
+                <a16:creationId xmlns:a16="http://schemas.microsoft.com/office/drawing/2014/main" id="{64EE8BD5-E098-9F41-9A0F-81E2D45E86F7}"/>
               </a:ext>
             </a:extLst>
           </p:cNvPr>
@@ -11731,13 +11731,13 @@
         </p:nvPicPr>
         <p:blipFill rotWithShape="1">
           <a:blip r:embed="rId4"/>
-          <a:srcRect t="5438" b="13707"/>
+          <a:srcRect t="5417" b="13900"/>
           <a:stretch/>
         </p:blipFill>
         <p:spPr>
           <a:xfrm>
-            <a:off x="90571" y="2743200"/>
-            <a:ext cx="5943600" cy="3432633"/>
+            <a:off x="90572" y="2743200"/>
+            <a:ext cx="5943599" cy="3425371"/>
           </a:xfrm>
           <a:prstGeom prst="rect">
             <a:avLst/>
@@ -11750,7 +11750,7 @@
             <a:hlinkClick r:id="rId5"/>
             <a:extLst>
               <a:ext uri="{FF2B5EF4-FFF2-40B4-BE49-F238E27FC236}">
-                <a16:creationId xmlns:a16="http://schemas.microsoft.com/office/drawing/2014/main" id="{25C06F4E-9E74-E140-AFFA-28DA26988C16}"/>
+                <a16:creationId xmlns:a16="http://schemas.microsoft.com/office/drawing/2014/main" id="{47456628-1607-1A4C-A65B-84C9AEA6511F}"/>
               </a:ext>
             </a:extLst>
           </p:cNvPr>
@@ -11779,7 +11779,7 @@
           <p:cNvPr id="19" name="TextBox 18">
             <a:extLst>
               <a:ext uri="{FF2B5EF4-FFF2-40B4-BE49-F238E27FC236}">
-                <a16:creationId xmlns:a16="http://schemas.microsoft.com/office/drawing/2014/main" id="{96B15E9D-0EA2-164F-AA95-A6D6EEAFF338}"/>
+                <a16:creationId xmlns:a16="http://schemas.microsoft.com/office/drawing/2014/main" id="{D9FE0D46-B3CE-7E4B-8704-814A4E6792E4}"/>
               </a:ext>
             </a:extLst>
           </p:cNvPr>
@@ -11819,7 +11819,7 @@
     </p:spTree>
     <p:extLst>
       <p:ext uri="{BB962C8B-B14F-4D97-AF65-F5344CB8AC3E}">
-        <p14:creationId xmlns:p14="http://schemas.microsoft.com/office/powerpoint/2010/main" val="1367309719"/>
+        <p14:creationId xmlns:p14="http://schemas.microsoft.com/office/powerpoint/2010/main" val="2781917799"/>
       </p:ext>
     </p:extLst>
   </p:cSld>
@@ -11871,7 +11871,7 @@
           <a:p>
             <a:r>
               <a:rPr lang="en-US" sz="2400" dirty="0"/>
-              <a:t>Natural Gas Power Generation vs Median Household Income</a:t>
+              <a:t>Coal Power Generation vs Median Household Income</a:t>
             </a:r>
             <a:br>
               <a:rPr lang="en-US" sz="2400" dirty="0"/>
@@ -11908,7 +11908,7 @@
           <a:p>
             <a:r>
               <a:rPr lang="en-US" sz="1800" dirty="0"/>
-              <a:t>Natural Gas Power Generation</a:t>
+              <a:t>Coal Power Generation</a:t>
             </a:r>
           </a:p>
         </p:txBody>
@@ -11945,11 +11945,11 @@
       </p:sp>
       <p:pic>
         <p:nvPicPr>
-          <p:cNvPr id="17" name="Picture 16">
+          <p:cNvPr id="17" name="Content Placeholder 8">
             <a:hlinkClick r:id="rId3"/>
             <a:extLst>
               <a:ext uri="{FF2B5EF4-FFF2-40B4-BE49-F238E27FC236}">
-                <a16:creationId xmlns:a16="http://schemas.microsoft.com/office/drawing/2014/main" id="{99BD1145-2B9F-BA47-9598-011A241463BC}"/>
+                <a16:creationId xmlns:a16="http://schemas.microsoft.com/office/drawing/2014/main" id="{1C1FC08D-AA2C-174E-9B6E-78B24ADEBB5A}"/>
               </a:ext>
             </a:extLst>
           </p:cNvPr>
@@ -11960,13 +11960,13 @@
         </p:nvPicPr>
         <p:blipFill rotWithShape="1">
           <a:blip r:embed="rId4"/>
-          <a:srcRect t="5513" b="13804"/>
+          <a:srcRect t="5438" b="13707"/>
           <a:stretch/>
         </p:blipFill>
         <p:spPr>
           <a:xfrm>
-            <a:off x="91440" y="2743200"/>
-            <a:ext cx="5943600" cy="3425372"/>
+            <a:off x="90571" y="2743200"/>
+            <a:ext cx="5943600" cy="3432633"/>
           </a:xfrm>
           <a:prstGeom prst="rect">
             <a:avLst/>
@@ -11979,7 +11979,7 @@
             <a:hlinkClick r:id="rId5"/>
             <a:extLst>
               <a:ext uri="{FF2B5EF4-FFF2-40B4-BE49-F238E27FC236}">
-                <a16:creationId xmlns:a16="http://schemas.microsoft.com/office/drawing/2014/main" id="{9935914A-10AB-EA48-BEC8-3F31ECBA9BF5}"/>
+                <a16:creationId xmlns:a16="http://schemas.microsoft.com/office/drawing/2014/main" id="{25C06F4E-9E74-E140-AFFA-28DA26988C16}"/>
               </a:ext>
             </a:extLst>
           </p:cNvPr>
@@ -12008,7 +12008,7 @@
           <p:cNvPr id="19" name="TextBox 18">
             <a:extLst>
               <a:ext uri="{FF2B5EF4-FFF2-40B4-BE49-F238E27FC236}">
-                <a16:creationId xmlns:a16="http://schemas.microsoft.com/office/drawing/2014/main" id="{24434B50-3610-D94D-ADC1-DFF6A91C1B61}"/>
+                <a16:creationId xmlns:a16="http://schemas.microsoft.com/office/drawing/2014/main" id="{96B15E9D-0EA2-164F-AA95-A6D6EEAFF338}"/>
               </a:ext>
             </a:extLst>
           </p:cNvPr>
@@ -12048,7 +12048,7 @@
     </p:spTree>
     <p:extLst>
       <p:ext uri="{BB962C8B-B14F-4D97-AF65-F5344CB8AC3E}">
-        <p14:creationId xmlns:p14="http://schemas.microsoft.com/office/powerpoint/2010/main" val="3706095540"/>
+        <p14:creationId xmlns:p14="http://schemas.microsoft.com/office/powerpoint/2010/main" val="1367309719"/>
       </p:ext>
     </p:extLst>
   </p:cSld>
@@ -12075,51 +12075,147 @@
           <a:chExt cx="0" cy="0"/>
         </a:xfrm>
       </p:grpSpPr>
+      <p:sp>
+        <p:nvSpPr>
+          <p:cNvPr id="4" name="Title 3">
+            <a:extLst>
+              <a:ext uri="{FF2B5EF4-FFF2-40B4-BE49-F238E27FC236}">
+                <a16:creationId xmlns:a16="http://schemas.microsoft.com/office/drawing/2014/main" id="{392B4D61-C0B8-1F4C-9B1C-F14AC21E8A3E}"/>
+              </a:ext>
+            </a:extLst>
+          </p:cNvPr>
+          <p:cNvSpPr>
+            <a:spLocks noGrp="1"/>
+          </p:cNvSpPr>
+          <p:nvPr>
+            <p:ph type="title"/>
+          </p:nvPr>
+        </p:nvSpPr>
+        <p:spPr/>
+        <p:txBody>
+          <a:bodyPr anchor="t">
+            <a:normAutofit/>
+          </a:bodyPr>
+          <a:lstStyle/>
+          <a:p>
+            <a:r>
+              <a:rPr lang="en-US" sz="2400" dirty="0"/>
+              <a:t>Natural Gas Power Generation vs Median Household Income</a:t>
+            </a:r>
+            <a:br>
+              <a:rPr lang="en-US" sz="2400" dirty="0"/>
+            </a:br>
+            <a:r>
+              <a:rPr lang="en-US" sz="2400" dirty="0"/>
+              <a:t>Year 2000</a:t>
+            </a:r>
+          </a:p>
+        </p:txBody>
+      </p:sp>
+      <p:sp>
+        <p:nvSpPr>
+          <p:cNvPr id="5" name="Text Placeholder 4">
+            <a:extLst>
+              <a:ext uri="{FF2B5EF4-FFF2-40B4-BE49-F238E27FC236}">
+                <a16:creationId xmlns:a16="http://schemas.microsoft.com/office/drawing/2014/main" id="{F7D008E2-B609-414E-964D-C07E984BE5B7}"/>
+              </a:ext>
+            </a:extLst>
+          </p:cNvPr>
+          <p:cNvSpPr>
+            <a:spLocks noGrp="1"/>
+          </p:cNvSpPr>
+          <p:nvPr>
+            <p:ph type="body" idx="1"/>
+          </p:nvPr>
+        </p:nvSpPr>
+        <p:spPr/>
+        <p:txBody>
+          <a:bodyPr anchor="t">
+            <a:normAutofit/>
+          </a:bodyPr>
+          <a:lstStyle/>
+          <a:p>
+            <a:r>
+              <a:rPr lang="en-US" sz="1800" dirty="0"/>
+              <a:t>Natural Gas Power Generation</a:t>
+            </a:r>
+          </a:p>
+        </p:txBody>
+      </p:sp>
+      <p:sp>
+        <p:nvSpPr>
+          <p:cNvPr id="7" name="Text Placeholder 6">
+            <a:extLst>
+              <a:ext uri="{FF2B5EF4-FFF2-40B4-BE49-F238E27FC236}">
+                <a16:creationId xmlns:a16="http://schemas.microsoft.com/office/drawing/2014/main" id="{6A1D2EC0-B35D-B346-9CB2-30D51EA6CC67}"/>
+              </a:ext>
+            </a:extLst>
+          </p:cNvPr>
+          <p:cNvSpPr>
+            <a:spLocks noGrp="1"/>
+          </p:cNvSpPr>
+          <p:nvPr>
+            <p:ph type="body" sz="quarter" idx="3"/>
+          </p:nvPr>
+        </p:nvSpPr>
+        <p:spPr/>
+        <p:txBody>
+          <a:bodyPr anchor="t">
+            <a:normAutofit/>
+          </a:bodyPr>
+          <a:lstStyle/>
+          <a:p>
+            <a:r>
+              <a:rPr lang="en-US" sz="1800" dirty="0"/>
+              <a:t>Median Household Income</a:t>
+            </a:r>
+          </a:p>
+        </p:txBody>
+      </p:sp>
       <p:pic>
         <p:nvPicPr>
-          <p:cNvPr id="22" name="Content Placeholder 8">
+          <p:cNvPr id="17" name="Picture 16">
             <a:hlinkClick r:id="rId3"/>
             <a:extLst>
               <a:ext uri="{FF2B5EF4-FFF2-40B4-BE49-F238E27FC236}">
-                <a16:creationId xmlns:a16="http://schemas.microsoft.com/office/drawing/2014/main" id="{95928064-1AB7-4D41-BBBD-0CB6D49765E4}"/>
+                <a16:creationId xmlns:a16="http://schemas.microsoft.com/office/drawing/2014/main" id="{99BD1145-2B9F-BA47-9598-011A241463BC}"/>
               </a:ext>
             </a:extLst>
           </p:cNvPr>
           <p:cNvPicPr>
-            <a:picLocks noGrp="1" noChangeAspect="1"/>
+            <a:picLocks noChangeAspect="1"/>
           </p:cNvPicPr>
-          <p:nvPr>
-            <p:ph sz="half" idx="2"/>
-          </p:nvPr>
+          <p:nvPr/>
         </p:nvPicPr>
         <p:blipFill rotWithShape="1">
           <a:blip r:embed="rId4"/>
-          <a:srcRect t="5609" b="13707"/>
+          <a:srcRect t="5513" b="13804"/>
           <a:stretch/>
         </p:blipFill>
         <p:spPr>
           <a:xfrm>
-            <a:off x="274320" y="91440"/>
-            <a:ext cx="5486400" cy="3161881"/>
+            <a:off x="91440" y="2743200"/>
+            <a:ext cx="5943600" cy="3425372"/>
           </a:xfrm>
+          <a:prstGeom prst="rect">
+            <a:avLst/>
+          </a:prstGeom>
         </p:spPr>
       </p:pic>
       <p:pic>
         <p:nvPicPr>
-          <p:cNvPr id="23" name="Content Placeholder 10">
+          <p:cNvPr id="18" name="Content Placeholder 10">
             <a:hlinkClick r:id="rId5"/>
             <a:extLst>
               <a:ext uri="{FF2B5EF4-FFF2-40B4-BE49-F238E27FC236}">
-                <a16:creationId xmlns:a16="http://schemas.microsoft.com/office/drawing/2014/main" id="{53412553-5392-4040-886C-94D8B69142EF}"/>
+                <a16:creationId xmlns:a16="http://schemas.microsoft.com/office/drawing/2014/main" id="{9935914A-10AB-EA48-BEC8-3F31ECBA9BF5}"/>
               </a:ext>
             </a:extLst>
           </p:cNvPr>
           <p:cNvPicPr>
-            <a:picLocks noGrp="1" noChangeAspect="1"/>
+            <a:picLocks noChangeAspect="1"/>
           </p:cNvPicPr>
-          <p:nvPr>
-            <p:ph sz="quarter" idx="4"/>
-          </p:nvPr>
+          <p:nvPr/>
         </p:nvPicPr>
         <p:blipFill rotWithShape="1">
           <a:blip r:embed="rId6"/>
@@ -12128,77 +12224,20 @@
         </p:blipFill>
         <p:spPr>
           <a:xfrm>
-            <a:off x="6236208" y="91440"/>
-            <a:ext cx="5486400" cy="3161881"/>
-          </a:xfrm>
-        </p:spPr>
-      </p:pic>
-      <p:pic>
-        <p:nvPicPr>
-          <p:cNvPr id="24" name="Content Placeholder 10">
-            <a:hlinkClick r:id="rId7"/>
-            <a:extLst>
-              <a:ext uri="{FF2B5EF4-FFF2-40B4-BE49-F238E27FC236}">
-                <a16:creationId xmlns:a16="http://schemas.microsoft.com/office/drawing/2014/main" id="{05DDCCEB-5E93-A647-BBB3-C88520C3658C}"/>
-              </a:ext>
-            </a:extLst>
-          </p:cNvPr>
-          <p:cNvPicPr>
-            <a:picLocks noChangeAspect="1"/>
-          </p:cNvPicPr>
-          <p:nvPr/>
-        </p:nvPicPr>
-        <p:blipFill rotWithShape="1">
-          <a:blip r:embed="rId8"/>
-          <a:srcRect t="5257" b="14058"/>
-          <a:stretch/>
-        </p:blipFill>
-        <p:spPr>
-          <a:xfrm>
-            <a:off x="6236208" y="3429000"/>
-            <a:ext cx="5486400" cy="3161882"/>
+            <a:off x="5998464" y="2743200"/>
+            <a:ext cx="5943600" cy="3425371"/>
           </a:xfrm>
           <a:prstGeom prst="rect">
             <a:avLst/>
           </a:prstGeom>
         </p:spPr>
       </p:pic>
-      <p:pic>
-        <p:nvPicPr>
-          <p:cNvPr id="25" name="Content Placeholder 8">
-            <a:hlinkClick r:id="rId9"/>
-            <a:extLst>
-              <a:ext uri="{FF2B5EF4-FFF2-40B4-BE49-F238E27FC236}">
-                <a16:creationId xmlns:a16="http://schemas.microsoft.com/office/drawing/2014/main" id="{3308C8DC-21F6-BE4E-B079-14AC05323514}"/>
-              </a:ext>
-            </a:extLst>
-          </p:cNvPr>
-          <p:cNvPicPr>
-            <a:picLocks noChangeAspect="1"/>
-          </p:cNvPicPr>
-          <p:nvPr/>
-        </p:nvPicPr>
-        <p:blipFill rotWithShape="1">
-          <a:blip r:embed="rId10"/>
-          <a:srcRect t="5609" b="13707"/>
-          <a:stretch/>
-        </p:blipFill>
-        <p:spPr>
-          <a:xfrm>
-            <a:off x="274320" y="3429000"/>
-            <a:ext cx="5486400" cy="3161881"/>
-          </a:xfrm>
-          <a:prstGeom prst="rect">
-            <a:avLst/>
-          </a:prstGeom>
-        </p:spPr>
-      </p:pic>
-      <p:sp>
-        <p:nvSpPr>
-          <p:cNvPr id="26" name="TextBox 25">
-            <a:extLst>
-              <a:ext uri="{FF2B5EF4-FFF2-40B4-BE49-F238E27FC236}">
-                <a16:creationId xmlns:a16="http://schemas.microsoft.com/office/drawing/2014/main" id="{981F2D58-392B-4440-A487-A06D9CE76453}"/>
+      <p:sp>
+        <p:nvSpPr>
+          <p:cNvPr id="19" name="TextBox 18">
+            <a:extLst>
+              <a:ext uri="{FF2B5EF4-FFF2-40B4-BE49-F238E27FC236}">
+                <a16:creationId xmlns:a16="http://schemas.microsoft.com/office/drawing/2014/main" id="{24434B50-3610-D94D-ADC1-DFF6A91C1B61}"/>
               </a:ext>
             </a:extLst>
           </p:cNvPr>
@@ -12238,7 +12277,7 @@
     </p:spTree>
     <p:extLst>
       <p:ext uri="{BB962C8B-B14F-4D97-AF65-F5344CB8AC3E}">
-        <p14:creationId xmlns:p14="http://schemas.microsoft.com/office/powerpoint/2010/main" val="3755005918"/>
+        <p14:creationId xmlns:p14="http://schemas.microsoft.com/office/powerpoint/2010/main" val="3706095540"/>
       </p:ext>
     </p:extLst>
   </p:cSld>
@@ -12265,110 +12304,13 @@
           <a:chExt cx="0" cy="0"/>
         </a:xfrm>
       </p:grpSpPr>
-      <p:sp>
-        <p:nvSpPr>
-          <p:cNvPr id="4" name="Title 3">
-            <a:extLst>
-              <a:ext uri="{FF2B5EF4-FFF2-40B4-BE49-F238E27FC236}">
-                <a16:creationId xmlns:a16="http://schemas.microsoft.com/office/drawing/2014/main" id="{392B4D61-C0B8-1F4C-9B1C-F14AC21E8A3E}"/>
-              </a:ext>
-            </a:extLst>
-          </p:cNvPr>
-          <p:cNvSpPr>
-            <a:spLocks noGrp="1"/>
-          </p:cNvSpPr>
-          <p:nvPr>
-            <p:ph type="title"/>
-          </p:nvPr>
-        </p:nvSpPr>
-        <p:spPr/>
-        <p:txBody>
-          <a:bodyPr anchor="t">
-            <a:normAutofit/>
-          </a:bodyPr>
-          <a:lstStyle/>
-          <a:p>
-            <a:r>
-              <a:rPr lang="en-US" sz="2400" dirty="0"/>
-              <a:t>Coal Power Generation vs CO2 Emissions</a:t>
-            </a:r>
-            <a:br>
-              <a:rPr lang="en-US" sz="2400" dirty="0"/>
-            </a:br>
-            <a:r>
-              <a:rPr lang="en-US" sz="2400" dirty="0"/>
-              <a:t>Year 2005</a:t>
-            </a:r>
-          </a:p>
-        </p:txBody>
-      </p:sp>
-      <p:sp>
-        <p:nvSpPr>
-          <p:cNvPr id="5" name="Text Placeholder 4">
-            <a:extLst>
-              <a:ext uri="{FF2B5EF4-FFF2-40B4-BE49-F238E27FC236}">
-                <a16:creationId xmlns:a16="http://schemas.microsoft.com/office/drawing/2014/main" id="{F7D008E2-B609-414E-964D-C07E984BE5B7}"/>
-              </a:ext>
-            </a:extLst>
-          </p:cNvPr>
-          <p:cNvSpPr>
-            <a:spLocks noGrp="1"/>
-          </p:cNvSpPr>
-          <p:nvPr>
-            <p:ph type="body" idx="1"/>
-          </p:nvPr>
-        </p:nvSpPr>
-        <p:spPr/>
-        <p:txBody>
-          <a:bodyPr anchor="t">
-            <a:normAutofit/>
-          </a:bodyPr>
-          <a:lstStyle/>
-          <a:p>
-            <a:r>
-              <a:rPr lang="en-US" sz="1800" dirty="0"/>
-              <a:t>Coal Power Generation</a:t>
-            </a:r>
-          </a:p>
-        </p:txBody>
-      </p:sp>
-      <p:sp>
-        <p:nvSpPr>
-          <p:cNvPr id="7" name="Text Placeholder 6">
-            <a:extLst>
-              <a:ext uri="{FF2B5EF4-FFF2-40B4-BE49-F238E27FC236}">
-                <a16:creationId xmlns:a16="http://schemas.microsoft.com/office/drawing/2014/main" id="{6A1D2EC0-B35D-B346-9CB2-30D51EA6CC67}"/>
-              </a:ext>
-            </a:extLst>
-          </p:cNvPr>
-          <p:cNvSpPr>
-            <a:spLocks noGrp="1"/>
-          </p:cNvSpPr>
-          <p:nvPr>
-            <p:ph type="body" sz="quarter" idx="3"/>
-          </p:nvPr>
-        </p:nvSpPr>
-        <p:spPr/>
-        <p:txBody>
-          <a:bodyPr anchor="t">
-            <a:normAutofit/>
-          </a:bodyPr>
-          <a:lstStyle/>
-          <a:p>
-            <a:r>
-              <a:rPr lang="en-US" sz="1800" dirty="0"/>
-              <a:t>CO2 Emissions</a:t>
-            </a:r>
-          </a:p>
-        </p:txBody>
-      </p:sp>
       <p:pic>
         <p:nvPicPr>
-          <p:cNvPr id="12" name="Content Placeholder 8">
+          <p:cNvPr id="22" name="Content Placeholder 8">
             <a:hlinkClick r:id="rId3"/>
             <a:extLst>
               <a:ext uri="{FF2B5EF4-FFF2-40B4-BE49-F238E27FC236}">
-                <a16:creationId xmlns:a16="http://schemas.microsoft.com/office/drawing/2014/main" id="{C71932B9-2D25-ED42-9622-3174D4F9E275}"/>
+                <a16:creationId xmlns:a16="http://schemas.microsoft.com/office/drawing/2014/main" id="{95928064-1AB7-4D41-BBBD-0CB6D49765E4}"/>
               </a:ext>
             </a:extLst>
           </p:cNvPr>
@@ -12386,18 +12328,18 @@
         </p:blipFill>
         <p:spPr>
           <a:xfrm>
-            <a:off x="91440" y="2743200"/>
-            <a:ext cx="5943599" cy="3425371"/>
+            <a:off x="274320" y="91440"/>
+            <a:ext cx="5486400" cy="3161881"/>
           </a:xfrm>
         </p:spPr>
       </p:pic>
       <p:pic>
         <p:nvPicPr>
-          <p:cNvPr id="13" name="Content Placeholder 10">
+          <p:cNvPr id="23" name="Content Placeholder 10">
             <a:hlinkClick r:id="rId5"/>
             <a:extLst>
               <a:ext uri="{FF2B5EF4-FFF2-40B4-BE49-F238E27FC236}">
-                <a16:creationId xmlns:a16="http://schemas.microsoft.com/office/drawing/2014/main" id="{97F0DC17-19B9-6C46-8667-78269858A71E}"/>
+                <a16:creationId xmlns:a16="http://schemas.microsoft.com/office/drawing/2014/main" id="{53412553-5392-4040-886C-94D8B69142EF}"/>
               </a:ext>
             </a:extLst>
           </p:cNvPr>
@@ -12415,17 +12357,77 @@
         </p:blipFill>
         <p:spPr>
           <a:xfrm>
-            <a:off x="5997575" y="2743200"/>
-            <a:ext cx="5943600" cy="3425371"/>
+            <a:off x="6236208" y="91440"/>
+            <a:ext cx="5486400" cy="3161881"/>
           </a:xfrm>
         </p:spPr>
       </p:pic>
-      <p:sp>
-        <p:nvSpPr>
-          <p:cNvPr id="14" name="TextBox 13">
-            <a:extLst>
-              <a:ext uri="{FF2B5EF4-FFF2-40B4-BE49-F238E27FC236}">
-                <a16:creationId xmlns:a16="http://schemas.microsoft.com/office/drawing/2014/main" id="{61F6B1C5-FF5F-1B40-9DA9-ED030A53717E}"/>
+      <p:pic>
+        <p:nvPicPr>
+          <p:cNvPr id="24" name="Content Placeholder 10">
+            <a:hlinkClick r:id="rId7"/>
+            <a:extLst>
+              <a:ext uri="{FF2B5EF4-FFF2-40B4-BE49-F238E27FC236}">
+                <a16:creationId xmlns:a16="http://schemas.microsoft.com/office/drawing/2014/main" id="{05DDCCEB-5E93-A647-BBB3-C88520C3658C}"/>
+              </a:ext>
+            </a:extLst>
+          </p:cNvPr>
+          <p:cNvPicPr>
+            <a:picLocks noChangeAspect="1"/>
+          </p:cNvPicPr>
+          <p:nvPr/>
+        </p:nvPicPr>
+        <p:blipFill rotWithShape="1">
+          <a:blip r:embed="rId8"/>
+          <a:srcRect t="5257" b="14058"/>
+          <a:stretch/>
+        </p:blipFill>
+        <p:spPr>
+          <a:xfrm>
+            <a:off x="6236208" y="3429000"/>
+            <a:ext cx="5486400" cy="3161882"/>
+          </a:xfrm>
+          <a:prstGeom prst="rect">
+            <a:avLst/>
+          </a:prstGeom>
+        </p:spPr>
+      </p:pic>
+      <p:pic>
+        <p:nvPicPr>
+          <p:cNvPr id="25" name="Content Placeholder 8">
+            <a:hlinkClick r:id="rId9"/>
+            <a:extLst>
+              <a:ext uri="{FF2B5EF4-FFF2-40B4-BE49-F238E27FC236}">
+                <a16:creationId xmlns:a16="http://schemas.microsoft.com/office/drawing/2014/main" id="{3308C8DC-21F6-BE4E-B079-14AC05323514}"/>
+              </a:ext>
+            </a:extLst>
+          </p:cNvPr>
+          <p:cNvPicPr>
+            <a:picLocks noChangeAspect="1"/>
+          </p:cNvPicPr>
+          <p:nvPr/>
+        </p:nvPicPr>
+        <p:blipFill rotWithShape="1">
+          <a:blip r:embed="rId10"/>
+          <a:srcRect t="5609" b="13707"/>
+          <a:stretch/>
+        </p:blipFill>
+        <p:spPr>
+          <a:xfrm>
+            <a:off x="274320" y="3429000"/>
+            <a:ext cx="5486400" cy="3161881"/>
+          </a:xfrm>
+          <a:prstGeom prst="rect">
+            <a:avLst/>
+          </a:prstGeom>
+        </p:spPr>
+      </p:pic>
+      <p:sp>
+        <p:nvSpPr>
+          <p:cNvPr id="26" name="TextBox 25">
+            <a:extLst>
+              <a:ext uri="{FF2B5EF4-FFF2-40B4-BE49-F238E27FC236}">
+                <a16:creationId xmlns:a16="http://schemas.microsoft.com/office/drawing/2014/main" id="{981F2D58-392B-4440-A487-A06D9CE76453}"/>
               </a:ext>
             </a:extLst>
           </p:cNvPr>
@@ -12465,7 +12467,7 @@
     </p:spTree>
     <p:extLst>
       <p:ext uri="{BB962C8B-B14F-4D97-AF65-F5344CB8AC3E}">
-        <p14:creationId xmlns:p14="http://schemas.microsoft.com/office/powerpoint/2010/main" val="3422582825"/>
+        <p14:creationId xmlns:p14="http://schemas.microsoft.com/office/powerpoint/2010/main" val="3755005918"/>
       </p:ext>
     </p:extLst>
   </p:cSld>
